--- a/04-CrMagOpt/Pictures/SimuAntiferro.pptx
+++ b/04-CrMagOpt/Pictures/SimuAntiferro.pptx
@@ -7,7 +7,7 @@
   <p:sldIdLst>
     <p:sldId id="256" r:id="rId2"/>
   </p:sldIdLst>
-  <p:sldSz cx="9001125" cy="9469438"/>
+  <p:sldSz cx="10477500" cy="9469438"/>
   <p:notesSz cx="6858000" cy="9144000"/>
   <p:defaultTextStyle>
     <a:defPPr>
@@ -136,8 +136,8 @@
         </p:nvSpPr>
         <p:spPr>
           <a:xfrm>
-            <a:off x="675085" y="2941666"/>
-            <a:ext cx="7650956" cy="2029791"/>
+            <a:off x="785816" y="2941671"/>
+            <a:ext cx="8905874" cy="2029791"/>
           </a:xfrm>
         </p:spPr>
         <p:txBody>
@@ -164,8 +164,8 @@
         </p:nvSpPr>
         <p:spPr>
           <a:xfrm>
-            <a:off x="1350169" y="5366015"/>
-            <a:ext cx="6300788" cy="2419969"/>
+            <a:off x="1571627" y="5366020"/>
+            <a:ext cx="7334250" cy="2419969"/>
           </a:xfrm>
         </p:spPr>
         <p:txBody>
@@ -288,7 +288,7 @@
           <a:p>
             <a:fld id="{55E2B1C3-85C9-4F15-B2B7-DF895873764E}" type="datetimeFigureOut">
               <a:rPr lang="fr-FR" smtClean="0"/>
-              <a:t>26/06/2017</a:t>
+              <a:t>27/06/2017</a:t>
             </a:fld>
             <a:endParaRPr lang="fr-FR"/>
           </a:p>
@@ -458,7 +458,7 @@
           <a:p>
             <a:fld id="{55E2B1C3-85C9-4F15-B2B7-DF895873764E}" type="datetimeFigureOut">
               <a:rPr lang="fr-FR" smtClean="0"/>
-              <a:t>26/06/2017</a:t>
+              <a:t>27/06/2017</a:t>
             </a:fld>
             <a:endParaRPr lang="fr-FR"/>
           </a:p>
@@ -548,8 +548,8 @@
         </p:nvSpPr>
         <p:spPr>
           <a:xfrm>
-            <a:off x="6525816" y="379218"/>
-            <a:ext cx="2025253" cy="8079710"/>
+            <a:off x="7596188" y="379218"/>
+            <a:ext cx="2357437" cy="8079710"/>
           </a:xfrm>
         </p:spPr>
         <p:txBody>
@@ -576,8 +576,8 @@
         </p:nvSpPr>
         <p:spPr>
           <a:xfrm>
-            <a:off x="450056" y="379218"/>
-            <a:ext cx="5925741" cy="8079710"/>
+            <a:off x="523875" y="379218"/>
+            <a:ext cx="6897689" cy="8079710"/>
           </a:xfrm>
         </p:spPr>
         <p:txBody>
@@ -638,7 +638,7 @@
           <a:p>
             <a:fld id="{55E2B1C3-85C9-4F15-B2B7-DF895873764E}" type="datetimeFigureOut">
               <a:rPr lang="fr-FR" smtClean="0"/>
-              <a:t>26/06/2017</a:t>
+              <a:t>27/06/2017</a:t>
             </a:fld>
             <a:endParaRPr lang="fr-FR"/>
           </a:p>
@@ -808,7 +808,7 @@
           <a:p>
             <a:fld id="{55E2B1C3-85C9-4F15-B2B7-DF895873764E}" type="datetimeFigureOut">
               <a:rPr lang="fr-FR" smtClean="0"/>
-              <a:t>26/06/2017</a:t>
+              <a:t>27/06/2017</a:t>
             </a:fld>
             <a:endParaRPr lang="fr-FR"/>
           </a:p>
@@ -898,8 +898,8 @@
         </p:nvSpPr>
         <p:spPr>
           <a:xfrm>
-            <a:off x="711027" y="6084992"/>
-            <a:ext cx="7650956" cy="1880736"/>
+            <a:off x="827653" y="6084992"/>
+            <a:ext cx="8905874" cy="1880736"/>
           </a:xfrm>
         </p:spPr>
         <p:txBody>
@@ -930,8 +930,8 @@
         </p:nvSpPr>
         <p:spPr>
           <a:xfrm>
-            <a:off x="711027" y="4013553"/>
-            <a:ext cx="7650956" cy="2071439"/>
+            <a:off x="827653" y="4013558"/>
+            <a:ext cx="8905874" cy="2071439"/>
           </a:xfrm>
         </p:spPr>
         <p:txBody>
@@ -1054,7 +1054,7 @@
           <a:p>
             <a:fld id="{55E2B1C3-85C9-4F15-B2B7-DF895873764E}" type="datetimeFigureOut">
               <a:rPr lang="fr-FR" smtClean="0"/>
-              <a:t>26/06/2017</a:t>
+              <a:t>27/06/2017</a:t>
             </a:fld>
             <a:endParaRPr lang="fr-FR"/>
           </a:p>
@@ -1167,8 +1167,8 @@
         </p:nvSpPr>
         <p:spPr>
           <a:xfrm>
-            <a:off x="450056" y="2209538"/>
-            <a:ext cx="3975497" cy="6249391"/>
+            <a:off x="523877" y="2209543"/>
+            <a:ext cx="4627562" cy="6249391"/>
           </a:xfrm>
         </p:spPr>
         <p:txBody>
@@ -1252,8 +1252,8 @@
         </p:nvSpPr>
         <p:spPr>
           <a:xfrm>
-            <a:off x="4575572" y="2209538"/>
-            <a:ext cx="3975497" cy="6249391"/>
+            <a:off x="5326062" y="2209543"/>
+            <a:ext cx="4627562" cy="6249391"/>
           </a:xfrm>
         </p:spPr>
         <p:txBody>
@@ -1342,7 +1342,7 @@
           <a:p>
             <a:fld id="{55E2B1C3-85C9-4F15-B2B7-DF895873764E}" type="datetimeFigureOut">
               <a:rPr lang="fr-FR" smtClean="0"/>
-              <a:t>26/06/2017</a:t>
+              <a:t>27/06/2017</a:t>
             </a:fld>
             <a:endParaRPr lang="fr-FR"/>
           </a:p>
@@ -1459,8 +1459,8 @@
         </p:nvSpPr>
         <p:spPr>
           <a:xfrm>
-            <a:off x="450056" y="2119665"/>
-            <a:ext cx="3977060" cy="883376"/>
+            <a:off x="523876" y="2119665"/>
+            <a:ext cx="4629383" cy="883376"/>
           </a:xfrm>
         </p:spPr>
         <p:txBody>
@@ -1524,8 +1524,8 @@
         </p:nvSpPr>
         <p:spPr>
           <a:xfrm>
-            <a:off x="450056" y="3003041"/>
-            <a:ext cx="3977060" cy="5455888"/>
+            <a:off x="523876" y="3003041"/>
+            <a:ext cx="4629383" cy="5455888"/>
           </a:xfrm>
         </p:spPr>
         <p:txBody>
@@ -1609,8 +1609,8 @@
         </p:nvSpPr>
         <p:spPr>
           <a:xfrm>
-            <a:off x="4572454" y="2119665"/>
-            <a:ext cx="3978622" cy="883376"/>
+            <a:off x="5322434" y="2119665"/>
+            <a:ext cx="4631201" cy="883376"/>
           </a:xfrm>
         </p:spPr>
         <p:txBody>
@@ -1674,8 +1674,8 @@
         </p:nvSpPr>
         <p:spPr>
           <a:xfrm>
-            <a:off x="4572454" y="3003041"/>
-            <a:ext cx="3978622" cy="5455888"/>
+            <a:off x="5322434" y="3003041"/>
+            <a:ext cx="4631201" cy="5455888"/>
           </a:xfrm>
         </p:spPr>
         <p:txBody>
@@ -1764,7 +1764,7 @@
           <a:p>
             <a:fld id="{55E2B1C3-85C9-4F15-B2B7-DF895873764E}" type="datetimeFigureOut">
               <a:rPr lang="fr-FR" smtClean="0"/>
-              <a:t>26/06/2017</a:t>
+              <a:t>27/06/2017</a:t>
             </a:fld>
             <a:endParaRPr lang="fr-FR"/>
           </a:p>
@@ -1882,7 +1882,7 @@
           <a:p>
             <a:fld id="{55E2B1C3-85C9-4F15-B2B7-DF895873764E}" type="datetimeFigureOut">
               <a:rPr lang="fr-FR" smtClean="0"/>
-              <a:t>26/06/2017</a:t>
+              <a:t>27/06/2017</a:t>
             </a:fld>
             <a:endParaRPr lang="fr-FR"/>
           </a:p>
@@ -1977,7 +1977,7 @@
           <a:p>
             <a:fld id="{55E2B1C3-85C9-4F15-B2B7-DF895873764E}" type="datetimeFigureOut">
               <a:rPr lang="fr-FR" smtClean="0"/>
-              <a:t>26/06/2017</a:t>
+              <a:t>27/06/2017</a:t>
             </a:fld>
             <a:endParaRPr lang="fr-FR"/>
           </a:p>
@@ -2067,8 +2067,8 @@
         </p:nvSpPr>
         <p:spPr>
           <a:xfrm>
-            <a:off x="450064" y="377026"/>
-            <a:ext cx="2961308" cy="1604543"/>
+            <a:off x="523886" y="377031"/>
+            <a:ext cx="3447024" cy="1604543"/>
           </a:xfrm>
         </p:spPr>
         <p:txBody>
@@ -2099,8 +2099,8 @@
         </p:nvSpPr>
         <p:spPr>
           <a:xfrm>
-            <a:off x="3519190" y="377027"/>
-            <a:ext cx="5031879" cy="8081903"/>
+            <a:off x="4096413" y="377032"/>
+            <a:ext cx="5857214" cy="8081903"/>
           </a:xfrm>
         </p:spPr>
         <p:txBody>
@@ -2184,8 +2184,8 @@
         </p:nvSpPr>
         <p:spPr>
           <a:xfrm>
-            <a:off x="450064" y="1981568"/>
-            <a:ext cx="2961308" cy="6477359"/>
+            <a:off x="523886" y="1981568"/>
+            <a:ext cx="3447024" cy="6477359"/>
           </a:xfrm>
         </p:spPr>
         <p:txBody>
@@ -2254,7 +2254,7 @@
           <a:p>
             <a:fld id="{55E2B1C3-85C9-4F15-B2B7-DF895873764E}" type="datetimeFigureOut">
               <a:rPr lang="fr-FR" smtClean="0"/>
-              <a:t>26/06/2017</a:t>
+              <a:t>27/06/2017</a:t>
             </a:fld>
             <a:endParaRPr lang="fr-FR"/>
           </a:p>
@@ -2344,8 +2344,8 @@
         </p:nvSpPr>
         <p:spPr>
           <a:xfrm>
-            <a:off x="1764284" y="6628609"/>
-            <a:ext cx="5400675" cy="782545"/>
+            <a:off x="2053665" y="6628614"/>
+            <a:ext cx="6286500" cy="782545"/>
           </a:xfrm>
         </p:spPr>
         <p:txBody>
@@ -2376,8 +2376,8 @@
         </p:nvSpPr>
         <p:spPr>
           <a:xfrm>
-            <a:off x="1764284" y="846116"/>
-            <a:ext cx="5400675" cy="5681663"/>
+            <a:off x="2053665" y="846121"/>
+            <a:ext cx="6286500" cy="5681663"/>
           </a:xfrm>
         </p:spPr>
         <p:txBody>
@@ -2437,8 +2437,8 @@
         </p:nvSpPr>
         <p:spPr>
           <a:xfrm>
-            <a:off x="1764284" y="7411154"/>
-            <a:ext cx="5400675" cy="1111343"/>
+            <a:off x="2053665" y="7411159"/>
+            <a:ext cx="6286500" cy="1111343"/>
           </a:xfrm>
         </p:spPr>
         <p:txBody>
@@ -2507,7 +2507,7 @@
           <a:p>
             <a:fld id="{55E2B1C3-85C9-4F15-B2B7-DF895873764E}" type="datetimeFigureOut">
               <a:rPr lang="fr-FR" smtClean="0"/>
-              <a:t>26/06/2017</a:t>
+              <a:t>27/06/2017</a:t>
             </a:fld>
             <a:endParaRPr lang="fr-FR"/>
           </a:p>
@@ -2602,8 +2602,8 @@
         </p:nvSpPr>
         <p:spPr>
           <a:xfrm>
-            <a:off x="450056" y="379217"/>
-            <a:ext cx="8101013" cy="1578240"/>
+            <a:off x="523877" y="379217"/>
+            <a:ext cx="9429750" cy="1578240"/>
           </a:xfrm>
           <a:prstGeom prst="rect">
             <a:avLst/>
@@ -2635,8 +2635,8 @@
         </p:nvSpPr>
         <p:spPr>
           <a:xfrm>
-            <a:off x="450056" y="2209538"/>
-            <a:ext cx="8101013" cy="6249391"/>
+            <a:off x="523877" y="2209543"/>
+            <a:ext cx="9429750" cy="6249391"/>
           </a:xfrm>
           <a:prstGeom prst="rect">
             <a:avLst/>
@@ -2697,8 +2697,8 @@
         </p:nvSpPr>
         <p:spPr>
           <a:xfrm>
-            <a:off x="450056" y="8776768"/>
-            <a:ext cx="2100263" cy="504160"/>
+            <a:off x="523877" y="8776768"/>
+            <a:ext cx="2444750" cy="504160"/>
           </a:xfrm>
           <a:prstGeom prst="rect">
             <a:avLst/>
@@ -2720,7 +2720,7 @@
           <a:p>
             <a:fld id="{55E2B1C3-85C9-4F15-B2B7-DF895873764E}" type="datetimeFigureOut">
               <a:rPr lang="fr-FR" smtClean="0"/>
-              <a:t>26/06/2017</a:t>
+              <a:t>27/06/2017</a:t>
             </a:fld>
             <a:endParaRPr lang="fr-FR"/>
           </a:p>
@@ -2738,8 +2738,8 @@
         </p:nvSpPr>
         <p:spPr>
           <a:xfrm>
-            <a:off x="3075385" y="8776768"/>
-            <a:ext cx="2850356" cy="504160"/>
+            <a:off x="3579815" y="8776768"/>
+            <a:ext cx="3317874" cy="504160"/>
           </a:xfrm>
           <a:prstGeom prst="rect">
             <a:avLst/>
@@ -2775,8 +2775,8 @@
         </p:nvSpPr>
         <p:spPr>
           <a:xfrm>
-            <a:off x="6450806" y="8776768"/>
-            <a:ext cx="2100263" cy="504160"/>
+            <a:off x="7508876" y="8776768"/>
+            <a:ext cx="2444750" cy="504160"/>
           </a:xfrm>
           <a:prstGeom prst="rect">
             <a:avLst/>
@@ -3097,13 +3097,13 @@
       </p:grpSpPr>
       <p:pic>
         <p:nvPicPr>
-          <p:cNvPr id="526" name="Picture 4"/>
+          <p:cNvPr id="462" name="Picture 4"/>
           <p:cNvPicPr>
             <a:picLocks noChangeAspect="1" noChangeArrowheads="1"/>
           </p:cNvPicPr>
           <p:nvPr/>
         </p:nvPicPr>
-        <p:blipFill>
+        <p:blipFill rotWithShape="1">
           <a:blip r:embed="rId2">
             <a:extLst>
               <a:ext uri="{28A0092B-C50C-407E-A947-70E740481C1C}">
@@ -3111,15 +3111,13 @@
               </a:ext>
             </a:extLst>
           </a:blip>
-          <a:srcRect/>
-          <a:stretch>
-            <a:fillRect/>
-          </a:stretch>
+          <a:srcRect b="20659"/>
+          <a:stretch/>
         </p:blipFill>
         <p:spPr bwMode="auto">
           <a:xfrm>
-            <a:off x="-54008" y="102195"/>
-            <a:ext cx="4554000" cy="2473660"/>
+            <a:off x="-651958" y="4374679"/>
+            <a:ext cx="2614612" cy="2216808"/>
           </a:xfrm>
           <a:prstGeom prst="rect">
             <a:avLst/>
@@ -3149,180 +3147,219 @@
           </a:extLst>
         </p:spPr>
       </p:pic>
-      <p:grpSp>
-        <p:nvGrpSpPr>
-          <p:cNvPr id="527" name="Groupe 526"/>
-          <p:cNvGrpSpPr/>
+      <p:pic>
+        <p:nvPicPr>
+          <p:cNvPr id="463" name="Picture 4"/>
+          <p:cNvPicPr>
+            <a:picLocks noChangeAspect="1" noChangeArrowheads="1"/>
+          </p:cNvPicPr>
           <p:nvPr/>
-        </p:nvGrpSpPr>
-        <p:grpSpPr>
-          <a:xfrm>
-            <a:off x="107536" y="2084164"/>
-            <a:ext cx="4292600" cy="7331075"/>
-            <a:chOff x="467544" y="2124323"/>
-            <a:chExt cx="4292600" cy="7331075"/>
-          </a:xfrm>
-        </p:grpSpPr>
-        <p:pic>
-          <p:nvPicPr>
-            <p:cNvPr id="528" name="Picture 2"/>
-            <p:cNvPicPr>
-              <a:picLocks noChangeAspect="1" noChangeArrowheads="1"/>
-            </p:cNvPicPr>
-            <p:nvPr/>
-          </p:nvPicPr>
-          <p:blipFill>
-            <a:blip r:embed="rId3">
-              <a:extLst>
-                <a:ext uri="{28A0092B-C50C-407E-A947-70E740481C1C}">
-                  <a14:useLocalDpi xmlns:a14="http://schemas.microsoft.com/office/drawing/2010/main" val="0"/>
-                </a:ext>
-              </a:extLst>
-            </a:blip>
-            <a:srcRect/>
-            <a:stretch>
-              <a:fillRect/>
-            </a:stretch>
-          </p:blipFill>
-          <p:spPr bwMode="auto">
-            <a:xfrm>
-              <a:off x="467544" y="2124323"/>
-              <a:ext cx="4292600" cy="7331075"/>
-            </a:xfrm>
-            <a:prstGeom prst="rect">
-              <a:avLst/>
-            </a:prstGeom>
-            <a:noFill/>
-            <a:ln>
-              <a:noFill/>
-            </a:ln>
+        </p:nvPicPr>
+        <p:blipFill>
+          <a:blip r:embed="rId3">
             <a:extLst>
-              <a:ext uri="{909E8E84-426E-40DD-AFC4-6F175D3DCCD1}">
-                <a14:hiddenFill xmlns:a14="http://schemas.microsoft.com/office/drawing/2010/main">
-                  <a:solidFill>
-                    <a:schemeClr val="accent1"/>
-                  </a:solidFill>
-                </a14:hiddenFill>
-              </a:ext>
-              <a:ext uri="{91240B29-F687-4F45-9708-019B960494DF}">
-                <a14:hiddenLine xmlns:a14="http://schemas.microsoft.com/office/drawing/2010/main" w="9525">
-                  <a:solidFill>
-                    <a:schemeClr val="tx1"/>
-                  </a:solidFill>
-                  <a:miter lim="800000"/>
-                  <a:headEnd/>
-                  <a:tailEnd/>
-                </a14:hiddenLine>
+              <a:ext uri="{28A0092B-C50C-407E-A947-70E740481C1C}">
+                <a14:useLocalDpi xmlns:a14="http://schemas.microsoft.com/office/drawing/2010/main" val="0"/>
               </a:ext>
             </a:extLst>
-          </p:spPr>
-        </p:pic>
-        <p:sp>
-          <p:nvSpPr>
-            <p:cNvPr id="529" name="Rectangle 528"/>
-            <p:cNvSpPr/>
-            <p:nvPr/>
-          </p:nvSpPr>
-          <p:spPr>
-            <a:xfrm>
-              <a:off x="889200" y="6984000"/>
-              <a:ext cx="72008" cy="144016"/>
-            </a:xfrm>
-            <a:prstGeom prst="rect">
-              <a:avLst/>
-            </a:prstGeom>
+          </a:blip>
+          <a:srcRect/>
+          <a:stretch>
+            <a:fillRect/>
+          </a:stretch>
+        </p:blipFill>
+        <p:spPr bwMode="auto">
+          <a:xfrm>
+            <a:off x="1458168" y="100800"/>
+            <a:ext cx="4553151" cy="2473200"/>
+          </a:xfrm>
+          <a:prstGeom prst="rect">
+            <a:avLst/>
+          </a:prstGeom>
+          <a:noFill/>
+          <a:ln>
+            <a:noFill/>
+          </a:ln>
+          <a:extLst>
+            <a:ext uri="{909E8E84-426E-40DD-AFC4-6F175D3DCCD1}">
+              <a14:hiddenFill xmlns:a14="http://schemas.microsoft.com/office/drawing/2010/main">
+                <a:solidFill>
+                  <a:schemeClr val="accent1"/>
+                </a:solidFill>
+              </a14:hiddenFill>
+            </a:ext>
+            <a:ext uri="{91240B29-F687-4F45-9708-019B960494DF}">
+              <a14:hiddenLine xmlns:a14="http://schemas.microsoft.com/office/drawing/2010/main" w="9525">
+                <a:solidFill>
+                  <a:schemeClr val="tx1"/>
+                </a:solidFill>
+                <a:miter lim="800000"/>
+                <a:headEnd/>
+                <a:tailEnd/>
+              </a14:hiddenLine>
+            </a:ext>
+          </a:extLst>
+        </p:spPr>
+      </p:pic>
+      <p:pic>
+        <p:nvPicPr>
+          <p:cNvPr id="464" name="Picture 3"/>
+          <p:cNvPicPr>
+            <a:picLocks noChangeAspect="1" noChangeArrowheads="1"/>
+          </p:cNvPicPr>
+          <p:nvPr/>
+        </p:nvPicPr>
+        <p:blipFill>
+          <a:blip r:embed="rId4">
+            <a:extLst>
+              <a:ext uri="{28A0092B-C50C-407E-A947-70E740481C1C}">
+                <a14:useLocalDpi xmlns:a14="http://schemas.microsoft.com/office/drawing/2010/main" val="0"/>
+              </a:ext>
+            </a:extLst>
+          </a:blip>
+          <a:srcRect/>
+          <a:stretch>
+            <a:fillRect/>
+          </a:stretch>
+        </p:blipFill>
+        <p:spPr bwMode="auto">
+          <a:xfrm>
+            <a:off x="1620168" y="2084400"/>
+            <a:ext cx="4292600" cy="7345362"/>
+          </a:xfrm>
+          <a:prstGeom prst="rect">
+            <a:avLst/>
+          </a:prstGeom>
+          <a:noFill/>
+          <a:ln>
+            <a:noFill/>
+          </a:ln>
+          <a:extLst>
+            <a:ext uri="{909E8E84-426E-40DD-AFC4-6F175D3DCCD1}">
+              <a14:hiddenFill xmlns:a14="http://schemas.microsoft.com/office/drawing/2010/main">
+                <a:solidFill>
+                  <a:schemeClr val="accent1"/>
+                </a:solidFill>
+              </a14:hiddenFill>
+            </a:ext>
+            <a:ext uri="{91240B29-F687-4F45-9708-019B960494DF}">
+              <a14:hiddenLine xmlns:a14="http://schemas.microsoft.com/office/drawing/2010/main" w="9525">
+                <a:solidFill>
+                  <a:schemeClr val="tx1"/>
+                </a:solidFill>
+                <a:miter lim="800000"/>
+                <a:headEnd/>
+                <a:tailEnd/>
+              </a14:hiddenLine>
+            </a:ext>
+          </a:extLst>
+        </p:spPr>
+      </p:pic>
+      <p:sp>
+        <p:nvSpPr>
+          <p:cNvPr id="465" name="Rectangle 464"/>
+          <p:cNvSpPr/>
+          <p:nvPr/>
+        </p:nvSpPr>
+        <p:spPr>
+          <a:xfrm>
+            <a:off x="2044800" y="6939822"/>
+            <a:ext cx="72008" cy="144016"/>
+          </a:xfrm>
+          <a:prstGeom prst="rect">
+            <a:avLst/>
+          </a:prstGeom>
+          <a:solidFill>
+            <a:schemeClr val="bg1"/>
+          </a:solidFill>
+          <a:ln>
             <a:solidFill>
               <a:schemeClr val="bg1"/>
             </a:solidFill>
-            <a:ln>
-              <a:solidFill>
-                <a:schemeClr val="bg1"/>
-              </a:solidFill>
-            </a:ln>
-          </p:spPr>
-          <p:style>
-            <a:lnRef idx="2">
-              <a:schemeClr val="accent1">
-                <a:shade val="50000"/>
-              </a:schemeClr>
-            </a:lnRef>
-            <a:fillRef idx="1">
-              <a:schemeClr val="accent1"/>
-            </a:fillRef>
-            <a:effectRef idx="0">
-              <a:schemeClr val="accent1"/>
-            </a:effectRef>
-            <a:fontRef idx="minor">
-              <a:schemeClr val="lt1"/>
-            </a:fontRef>
-          </p:style>
-          <p:txBody>
-            <a:bodyPr rtlCol="0" anchor="ctr"/>
-            <a:lstStyle/>
-            <a:p>
-              <a:pPr algn="ctr"/>
-              <a:endParaRPr lang="fr-FR"/>
-            </a:p>
-          </p:txBody>
-        </p:sp>
-        <p:sp>
-          <p:nvSpPr>
-            <p:cNvPr id="530" name="Rectangle 529"/>
-            <p:cNvSpPr/>
-            <p:nvPr/>
-          </p:nvSpPr>
-          <p:spPr>
-            <a:xfrm>
-              <a:off x="799200" y="8461027"/>
-              <a:ext cx="72008" cy="144016"/>
-            </a:xfrm>
-            <a:prstGeom prst="rect">
-              <a:avLst/>
-            </a:prstGeom>
+          </a:ln>
+        </p:spPr>
+        <p:style>
+          <a:lnRef idx="2">
+            <a:schemeClr val="accent1">
+              <a:shade val="50000"/>
+            </a:schemeClr>
+          </a:lnRef>
+          <a:fillRef idx="1">
+            <a:schemeClr val="accent1"/>
+          </a:fillRef>
+          <a:effectRef idx="0">
+            <a:schemeClr val="accent1"/>
+          </a:effectRef>
+          <a:fontRef idx="minor">
+            <a:schemeClr val="lt1"/>
+          </a:fontRef>
+        </p:style>
+        <p:txBody>
+          <a:bodyPr rtlCol="0" anchor="ctr"/>
+          <a:lstStyle/>
+          <a:p>
+            <a:pPr algn="ctr"/>
+            <a:endParaRPr lang="fr-FR"/>
+          </a:p>
+        </p:txBody>
+      </p:sp>
+      <p:sp>
+        <p:nvSpPr>
+          <p:cNvPr id="466" name="Rectangle 465"/>
+          <p:cNvSpPr/>
+          <p:nvPr/>
+        </p:nvSpPr>
+        <p:spPr>
+          <a:xfrm>
+            <a:off x="1962654" y="8420868"/>
+            <a:ext cx="72008" cy="144016"/>
+          </a:xfrm>
+          <a:prstGeom prst="rect">
+            <a:avLst/>
+          </a:prstGeom>
+          <a:solidFill>
+            <a:schemeClr val="bg1"/>
+          </a:solidFill>
+          <a:ln>
             <a:solidFill>
               <a:schemeClr val="bg1"/>
             </a:solidFill>
-            <a:ln>
-              <a:solidFill>
-                <a:schemeClr val="bg1"/>
-              </a:solidFill>
-            </a:ln>
-          </p:spPr>
-          <p:style>
-            <a:lnRef idx="2">
-              <a:schemeClr val="accent1">
-                <a:shade val="50000"/>
-              </a:schemeClr>
-            </a:lnRef>
-            <a:fillRef idx="1">
-              <a:schemeClr val="accent1"/>
-            </a:fillRef>
-            <a:effectRef idx="0">
-              <a:schemeClr val="accent1"/>
-            </a:effectRef>
-            <a:fontRef idx="minor">
-              <a:schemeClr val="lt1"/>
-            </a:fontRef>
-          </p:style>
-          <p:txBody>
-            <a:bodyPr rtlCol="0" anchor="ctr"/>
-            <a:lstStyle/>
-            <a:p>
-              <a:pPr algn="ctr"/>
-              <a:endParaRPr lang="fr-FR"/>
-            </a:p>
-          </p:txBody>
-        </p:sp>
-      </p:grpSp>
-      <p:sp>
-        <p:nvSpPr>
-          <p:cNvPr id="532" name="Accolade ouvrante 531"/>
+          </a:ln>
+        </p:spPr>
+        <p:style>
+          <a:lnRef idx="2">
+            <a:schemeClr val="accent1">
+              <a:shade val="50000"/>
+            </a:schemeClr>
+          </a:lnRef>
+          <a:fillRef idx="1">
+            <a:schemeClr val="accent1"/>
+          </a:fillRef>
+          <a:effectRef idx="0">
+            <a:schemeClr val="accent1"/>
+          </a:effectRef>
+          <a:fontRef idx="minor">
+            <a:schemeClr val="lt1"/>
+          </a:fontRef>
+        </p:style>
+        <p:txBody>
+          <a:bodyPr rtlCol="0" anchor="ctr"/>
+          <a:lstStyle/>
+          <a:p>
+            <a:pPr algn="ctr"/>
+            <a:endParaRPr lang="fr-FR"/>
+          </a:p>
+        </p:txBody>
+      </p:sp>
+      <p:sp>
+        <p:nvSpPr>
+          <p:cNvPr id="467" name="Accolade ouvrante 466"/>
           <p:cNvSpPr/>
           <p:nvPr/>
         </p:nvSpPr>
         <p:spPr>
           <a:xfrm>
-            <a:off x="4605812" y="1955773"/>
+            <a:off x="6117980" y="1955773"/>
             <a:ext cx="270661" cy="3076153"/>
           </a:xfrm>
           <a:prstGeom prst="leftBrace">
@@ -3354,13 +3391,13 @@
       </p:sp>
       <p:sp>
         <p:nvSpPr>
-          <p:cNvPr id="533" name="Accolade ouvrante 532"/>
+          <p:cNvPr id="468" name="Accolade ouvrante 467"/>
           <p:cNvSpPr/>
           <p:nvPr/>
         </p:nvSpPr>
         <p:spPr>
           <a:xfrm>
-            <a:off x="4630590" y="6582082"/>
+            <a:off x="6142758" y="6582082"/>
             <a:ext cx="270661" cy="2022726"/>
           </a:xfrm>
           <a:prstGeom prst="leftBrace">
@@ -3392,13 +3429,13 @@
       </p:sp>
       <p:sp>
         <p:nvSpPr>
-          <p:cNvPr id="534" name="Rectangle 533"/>
+          <p:cNvPr id="469" name="Rectangle 468"/>
           <p:cNvSpPr/>
           <p:nvPr/>
         </p:nvSpPr>
         <p:spPr>
           <a:xfrm>
-            <a:off x="6025143" y="7599162"/>
+            <a:off x="7537311" y="7599162"/>
             <a:ext cx="524503" cy="461665"/>
           </a:xfrm>
           <a:prstGeom prst="rect">
@@ -3438,13 +3475,13 @@
       </p:sp>
       <p:sp>
         <p:nvSpPr>
-          <p:cNvPr id="535" name="ZoneTexte 534"/>
+          <p:cNvPr id="470" name="ZoneTexte 469"/>
           <p:cNvSpPr txBox="1"/>
           <p:nvPr/>
         </p:nvSpPr>
         <p:spPr>
           <a:xfrm>
-            <a:off x="8134947" y="8829997"/>
+            <a:off x="9647115" y="8829997"/>
             <a:ext cx="431528" cy="400110"/>
           </a:xfrm>
           <a:prstGeom prst="rect">
@@ -3481,13 +3518,13 @@
       </p:sp>
       <p:cxnSp>
         <p:nvCxnSpPr>
-          <p:cNvPr id="536" name="Connecteur droit 535"/>
+          <p:cNvPr id="471" name="Connecteur droit 470"/>
           <p:cNvCxnSpPr/>
           <p:nvPr/>
         </p:nvCxnSpPr>
         <p:spPr>
           <a:xfrm>
-            <a:off x="5379445" y="2825919"/>
+            <a:off x="6891613" y="2825919"/>
             <a:ext cx="224208" cy="0"/>
           </a:xfrm>
           <a:prstGeom prst="line">
@@ -3517,13 +3554,13 @@
       </p:cxnSp>
       <p:cxnSp>
         <p:nvCxnSpPr>
-          <p:cNvPr id="537" name="Connecteur droit 536"/>
+          <p:cNvPr id="472" name="Connecteur droit 471"/>
           <p:cNvCxnSpPr/>
           <p:nvPr/>
         </p:nvCxnSpPr>
         <p:spPr>
           <a:xfrm>
-            <a:off x="5576214" y="8533728"/>
+            <a:off x="7088382" y="8533728"/>
             <a:ext cx="2305826" cy="0"/>
           </a:xfrm>
           <a:prstGeom prst="line">
@@ -3548,13 +3585,13 @@
       </p:cxnSp>
       <p:sp>
         <p:nvSpPr>
-          <p:cNvPr id="538" name="Rectangle 537"/>
+          <p:cNvPr id="473" name="Rectangle 472"/>
           <p:cNvSpPr/>
           <p:nvPr/>
         </p:nvSpPr>
         <p:spPr>
           <a:xfrm>
-            <a:off x="7948560" y="8339568"/>
+            <a:off x="9460728" y="8339568"/>
             <a:ext cx="583814" cy="369331"/>
           </a:xfrm>
           <a:prstGeom prst="rect">
@@ -3585,13 +3622,13 @@
       </p:sp>
       <p:cxnSp>
         <p:nvCxnSpPr>
-          <p:cNvPr id="539" name="Connecteur droit 538"/>
+          <p:cNvPr id="474" name="Connecteur droit 473"/>
           <p:cNvCxnSpPr/>
           <p:nvPr/>
         </p:nvCxnSpPr>
         <p:spPr>
           <a:xfrm>
-            <a:off x="5398942" y="3453347"/>
+            <a:off x="6911110" y="3453347"/>
             <a:ext cx="224208" cy="0"/>
           </a:xfrm>
           <a:prstGeom prst="line">
@@ -3621,13 +3658,13 @@
       </p:cxnSp>
       <p:cxnSp>
         <p:nvCxnSpPr>
-          <p:cNvPr id="540" name="Connecteur droit 539"/>
+          <p:cNvPr id="475" name="Connecteur droit 474"/>
           <p:cNvCxnSpPr/>
           <p:nvPr/>
         </p:nvCxnSpPr>
         <p:spPr>
           <a:xfrm>
-            <a:off x="5383033" y="4262079"/>
+            <a:off x="6895201" y="4262079"/>
             <a:ext cx="212904" cy="0"/>
           </a:xfrm>
           <a:prstGeom prst="line">
@@ -3652,13 +3689,13 @@
       </p:cxnSp>
       <p:cxnSp>
         <p:nvCxnSpPr>
-          <p:cNvPr id="541" name="Connecteur droit 540"/>
+          <p:cNvPr id="476" name="Connecteur droit 475"/>
           <p:cNvCxnSpPr/>
           <p:nvPr/>
         </p:nvCxnSpPr>
         <p:spPr>
           <a:xfrm>
-            <a:off x="5377918" y="2620754"/>
+            <a:off x="6890086" y="2620754"/>
             <a:ext cx="212904" cy="0"/>
           </a:xfrm>
           <a:prstGeom prst="line">
@@ -3683,13 +3720,13 @@
       </p:cxnSp>
       <p:cxnSp>
         <p:nvCxnSpPr>
-          <p:cNvPr id="542" name="Connecteur droit 541"/>
+          <p:cNvPr id="477" name="Connecteur droit 476"/>
           <p:cNvCxnSpPr/>
           <p:nvPr/>
         </p:nvCxnSpPr>
         <p:spPr>
           <a:xfrm>
-            <a:off x="5401911" y="1984091"/>
+            <a:off x="6914079" y="1984091"/>
             <a:ext cx="212904" cy="0"/>
           </a:xfrm>
           <a:prstGeom prst="line">
@@ -3714,13 +3751,13 @@
       </p:cxnSp>
       <p:grpSp>
         <p:nvGrpSpPr>
-          <p:cNvPr id="543" name="Groupe 542"/>
+          <p:cNvPr id="478" name="Groupe 477"/>
           <p:cNvGrpSpPr/>
           <p:nvPr/>
         </p:nvGrpSpPr>
         <p:grpSpPr>
           <a:xfrm>
-            <a:off x="5373833" y="5698239"/>
+            <a:off x="6886001" y="5698239"/>
             <a:ext cx="3234861" cy="1804831"/>
             <a:chOff x="1018466" y="4468501"/>
             <a:chExt cx="2270725" cy="1266901"/>
@@ -3728,7 +3765,7 @@
         </p:grpSpPr>
         <p:sp>
           <p:nvSpPr>
-            <p:cNvPr id="595" name="Rectangle 594"/>
+            <p:cNvPr id="479" name="Rectangle 478"/>
             <p:cNvSpPr/>
             <p:nvPr/>
           </p:nvSpPr>
@@ -3765,7 +3802,7 @@
         </p:sp>
         <p:cxnSp>
           <p:nvCxnSpPr>
-            <p:cNvPr id="596" name="Connecteur droit 595"/>
+            <p:cNvPr id="480" name="Connecteur droit 479"/>
             <p:cNvCxnSpPr/>
             <p:nvPr/>
           </p:nvCxnSpPr>
@@ -3796,7 +3833,7 @@
         </p:cxnSp>
         <p:cxnSp>
           <p:nvCxnSpPr>
-            <p:cNvPr id="597" name="Connecteur droit 596"/>
+            <p:cNvPr id="481" name="Connecteur droit 480"/>
             <p:cNvCxnSpPr/>
             <p:nvPr/>
           </p:nvCxnSpPr>
@@ -3827,7 +3864,7 @@
         </p:cxnSp>
         <p:sp>
           <p:nvSpPr>
-            <p:cNvPr id="598" name="Rectangle 597"/>
+            <p:cNvPr id="482" name="Rectangle 481"/>
             <p:cNvSpPr/>
             <p:nvPr/>
           </p:nvSpPr>
@@ -3864,7 +3901,7 @@
         </p:sp>
         <p:cxnSp>
           <p:nvCxnSpPr>
-            <p:cNvPr id="599" name="Connecteur droit 598"/>
+            <p:cNvPr id="483" name="Connecteur droit 482"/>
             <p:cNvCxnSpPr/>
             <p:nvPr/>
           </p:nvCxnSpPr>
@@ -3896,13 +3933,13 @@
       </p:grpSp>
       <p:cxnSp>
         <p:nvCxnSpPr>
-          <p:cNvPr id="544" name="Connecteur droit 543"/>
+          <p:cNvPr id="484" name="Connecteur droit 483"/>
           <p:cNvCxnSpPr/>
           <p:nvPr/>
         </p:nvCxnSpPr>
         <p:spPr>
           <a:xfrm>
-            <a:off x="5369015" y="8534023"/>
+            <a:off x="6881183" y="8534023"/>
             <a:ext cx="212904" cy="0"/>
           </a:xfrm>
           <a:prstGeom prst="line">
@@ -3927,13 +3964,13 @@
       </p:cxnSp>
       <p:grpSp>
         <p:nvGrpSpPr>
-          <p:cNvPr id="545" name="Groupe 544"/>
+          <p:cNvPr id="485" name="Groupe 484"/>
           <p:cNvGrpSpPr/>
           <p:nvPr/>
         </p:nvGrpSpPr>
         <p:grpSpPr>
           <a:xfrm>
-            <a:off x="5590822" y="1868140"/>
+            <a:off x="7102990" y="1868140"/>
             <a:ext cx="3371775" cy="1384280"/>
             <a:chOff x="1095683" y="866304"/>
             <a:chExt cx="2366832" cy="971695"/>
@@ -3941,7 +3978,7 @@
         </p:grpSpPr>
         <p:cxnSp>
           <p:nvCxnSpPr>
-            <p:cNvPr id="591" name="Connecteur droit 590"/>
+            <p:cNvPr id="486" name="Connecteur droit 485"/>
             <p:cNvCxnSpPr/>
             <p:nvPr/>
           </p:nvCxnSpPr>
@@ -3976,7 +4013,7 @@
         </p:cxnSp>
         <p:cxnSp>
           <p:nvCxnSpPr>
-            <p:cNvPr id="592" name="Connecteur droit 591"/>
+            <p:cNvPr id="487" name="Connecteur droit 486"/>
             <p:cNvCxnSpPr/>
             <p:nvPr/>
           </p:nvCxnSpPr>
@@ -4012,7 +4049,7 @@
         </p:cxnSp>
         <p:sp>
           <p:nvSpPr>
-            <p:cNvPr id="593" name="Rectangle 592"/>
+            <p:cNvPr id="488" name="Rectangle 487"/>
             <p:cNvSpPr/>
             <p:nvPr/>
           </p:nvSpPr>
@@ -4065,7 +4102,7 @@
         </p:sp>
         <p:sp>
           <p:nvSpPr>
-            <p:cNvPr id="594" name="Rectangle 593"/>
+            <p:cNvPr id="489" name="Rectangle 488"/>
             <p:cNvSpPr/>
             <p:nvPr/>
           </p:nvSpPr>
@@ -4119,13 +4156,13 @@
       </p:grpSp>
       <p:cxnSp>
         <p:nvCxnSpPr>
-          <p:cNvPr id="546" name="Connecteur droit 545"/>
+          <p:cNvPr id="490" name="Connecteur droit 489"/>
           <p:cNvCxnSpPr/>
           <p:nvPr/>
         </p:nvCxnSpPr>
         <p:spPr>
           <a:xfrm>
-            <a:off x="5607242" y="5082742"/>
+            <a:off x="7119410" y="5082742"/>
             <a:ext cx="2302224" cy="294431"/>
           </a:xfrm>
           <a:prstGeom prst="line">
@@ -4155,13 +4192,13 @@
       </p:cxnSp>
       <p:cxnSp>
         <p:nvCxnSpPr>
-          <p:cNvPr id="547" name="Connecteur droit 546"/>
+          <p:cNvPr id="491" name="Connecteur droit 490"/>
           <p:cNvCxnSpPr/>
           <p:nvPr/>
         </p:nvCxnSpPr>
         <p:spPr>
           <a:xfrm flipV="1">
-            <a:off x="5630404" y="4823156"/>
+            <a:off x="7142572" y="4823156"/>
             <a:ext cx="2251635" cy="259586"/>
           </a:xfrm>
           <a:prstGeom prst="line">
@@ -4191,13 +4228,13 @@
       </p:cxnSp>
       <p:cxnSp>
         <p:nvCxnSpPr>
-          <p:cNvPr id="548" name="Connecteur droit 547"/>
+          <p:cNvPr id="492" name="Connecteur droit 491"/>
           <p:cNvCxnSpPr/>
           <p:nvPr/>
         </p:nvCxnSpPr>
         <p:spPr>
           <a:xfrm>
-            <a:off x="5383033" y="5082742"/>
+            <a:off x="6895201" y="5082742"/>
             <a:ext cx="224208" cy="0"/>
           </a:xfrm>
           <a:prstGeom prst="line">
@@ -4227,13 +4264,13 @@
       </p:cxnSp>
       <p:sp>
         <p:nvSpPr>
-          <p:cNvPr id="549" name="Rectangle 548"/>
+          <p:cNvPr id="493" name="Rectangle 492"/>
           <p:cNvSpPr/>
           <p:nvPr/>
         </p:nvSpPr>
         <p:spPr>
           <a:xfrm>
-            <a:off x="7845975" y="3621473"/>
+            <a:off x="9358143" y="3621473"/>
             <a:ext cx="1047082" cy="369331"/>
           </a:xfrm>
           <a:prstGeom prst="rect">
@@ -4280,13 +4317,13 @@
       </p:sp>
       <p:grpSp>
         <p:nvGrpSpPr>
-          <p:cNvPr id="550" name="Groupe 549"/>
+          <p:cNvPr id="494" name="Groupe 493"/>
           <p:cNvGrpSpPr/>
           <p:nvPr/>
         </p:nvGrpSpPr>
         <p:grpSpPr>
           <a:xfrm>
-            <a:off x="5601113" y="392966"/>
+            <a:off x="7113281" y="392966"/>
             <a:ext cx="3443426" cy="3299531"/>
             <a:chOff x="1082348" y="695014"/>
             <a:chExt cx="2417128" cy="2316105"/>
@@ -4294,7 +4331,7 @@
         </p:grpSpPr>
         <p:cxnSp>
           <p:nvCxnSpPr>
-            <p:cNvPr id="587" name="Connecteur droit 586"/>
+            <p:cNvPr id="495" name="Connecteur droit 494"/>
             <p:cNvCxnSpPr/>
             <p:nvPr/>
           </p:nvCxnSpPr>
@@ -4330,7 +4367,7 @@
         </p:cxnSp>
         <p:cxnSp>
           <p:nvCxnSpPr>
-            <p:cNvPr id="588" name="Connecteur droit 587"/>
+            <p:cNvPr id="496" name="Connecteur droit 495"/>
             <p:cNvCxnSpPr/>
             <p:nvPr/>
           </p:nvCxnSpPr>
@@ -4366,7 +4403,7 @@
         </p:cxnSp>
         <p:sp>
           <p:nvSpPr>
-            <p:cNvPr id="589" name="Rectangle 588"/>
+            <p:cNvPr id="497" name="Rectangle 496"/>
             <p:cNvSpPr/>
             <p:nvPr/>
           </p:nvSpPr>
@@ -4427,7 +4464,7 @@
         </p:sp>
         <p:sp>
           <p:nvSpPr>
-            <p:cNvPr id="590" name="Rectangle 589"/>
+            <p:cNvPr id="498" name="Rectangle 497"/>
             <p:cNvSpPr/>
             <p:nvPr/>
           </p:nvSpPr>
@@ -4481,13 +4518,13 @@
       </p:grpSp>
       <p:sp>
         <p:nvSpPr>
-          <p:cNvPr id="551" name="Rectangle 550"/>
+          <p:cNvPr id="499" name="Rectangle 498"/>
           <p:cNvSpPr/>
           <p:nvPr/>
         </p:nvSpPr>
         <p:spPr>
           <a:xfrm>
-            <a:off x="7849481" y="4388420"/>
+            <a:off x="9361649" y="4388420"/>
             <a:ext cx="1002198" cy="369331"/>
           </a:xfrm>
           <a:prstGeom prst="rect">
@@ -4534,13 +4571,13 @@
       </p:sp>
       <p:cxnSp>
         <p:nvCxnSpPr>
-          <p:cNvPr id="552" name="Connecteur droit 551"/>
+          <p:cNvPr id="500" name="Connecteur droit 499"/>
           <p:cNvCxnSpPr/>
           <p:nvPr/>
         </p:nvCxnSpPr>
         <p:spPr>
           <a:xfrm>
-            <a:off x="5586126" y="4262079"/>
+            <a:off x="7098294" y="4262079"/>
             <a:ext cx="2334623" cy="438809"/>
           </a:xfrm>
           <a:prstGeom prst="line">
@@ -4570,13 +4607,13 @@
       </p:cxnSp>
       <p:cxnSp>
         <p:nvCxnSpPr>
-          <p:cNvPr id="553" name="Connecteur droit 552"/>
+          <p:cNvPr id="501" name="Connecteur droit 500"/>
           <p:cNvCxnSpPr/>
           <p:nvPr/>
         </p:nvCxnSpPr>
         <p:spPr>
           <a:xfrm flipV="1">
-            <a:off x="5594788" y="3828156"/>
+            <a:off x="7106956" y="3828156"/>
             <a:ext cx="2353773" cy="433923"/>
           </a:xfrm>
           <a:prstGeom prst="line">
@@ -4606,13 +4643,13 @@
       </p:cxnSp>
       <p:sp>
         <p:nvSpPr>
-          <p:cNvPr id="554" name="Ellipse 553"/>
+          <p:cNvPr id="502" name="Ellipse 501"/>
           <p:cNvSpPr/>
           <p:nvPr/>
         </p:nvSpPr>
         <p:spPr>
           <a:xfrm>
-            <a:off x="6770953" y="2711260"/>
+            <a:off x="8283121" y="2711260"/>
             <a:ext cx="358887" cy="341536"/>
           </a:xfrm>
           <a:prstGeom prst="ellipse">
@@ -4657,13 +4694,13 @@
       </p:sp>
       <p:sp>
         <p:nvSpPr>
-          <p:cNvPr id="555" name="Ellipse 554"/>
+          <p:cNvPr id="503" name="Ellipse 502"/>
           <p:cNvSpPr/>
           <p:nvPr/>
         </p:nvSpPr>
         <p:spPr>
           <a:xfrm>
-            <a:off x="6124033" y="2300188"/>
+            <a:off x="7636201" y="2300188"/>
             <a:ext cx="358887" cy="341536"/>
           </a:xfrm>
           <a:prstGeom prst="ellipse">
@@ -4708,13 +4745,13 @@
       </p:sp>
       <p:sp>
         <p:nvSpPr>
-          <p:cNvPr id="556" name="Ellipse 555"/>
+          <p:cNvPr id="504" name="Ellipse 503"/>
           <p:cNvSpPr/>
           <p:nvPr/>
         </p:nvSpPr>
         <p:spPr>
           <a:xfrm>
-            <a:off x="5433669" y="4105018"/>
+            <a:off x="6945837" y="4105018"/>
             <a:ext cx="358887" cy="341536"/>
           </a:xfrm>
           <a:prstGeom prst="ellipse">
@@ -4759,13 +4796,13 @@
       </p:sp>
       <p:sp>
         <p:nvSpPr>
-          <p:cNvPr id="557" name="Ellipse 556"/>
+          <p:cNvPr id="505" name="Ellipse 504"/>
           <p:cNvSpPr/>
           <p:nvPr/>
         </p:nvSpPr>
         <p:spPr>
           <a:xfrm>
-            <a:off x="7307571" y="3744881"/>
+            <a:off x="8819739" y="3744881"/>
             <a:ext cx="358887" cy="341536"/>
           </a:xfrm>
           <a:prstGeom prst="ellipse">
@@ -4810,13 +4847,13 @@
       </p:sp>
       <p:grpSp>
         <p:nvGrpSpPr>
-          <p:cNvPr id="558" name="Groupe 557"/>
+          <p:cNvPr id="506" name="Groupe 505"/>
           <p:cNvGrpSpPr/>
           <p:nvPr/>
         </p:nvGrpSpPr>
         <p:grpSpPr>
           <a:xfrm>
-            <a:off x="5584543" y="2620754"/>
+            <a:off x="7096711" y="2620754"/>
             <a:ext cx="3378051" cy="1629749"/>
             <a:chOff x="1082348" y="1392536"/>
             <a:chExt cx="2371238" cy="1144002"/>
@@ -4824,7 +4861,7 @@
         </p:grpSpPr>
         <p:cxnSp>
           <p:nvCxnSpPr>
-            <p:cNvPr id="583" name="Connecteur droit 582"/>
+            <p:cNvPr id="507" name="Connecteur droit 506"/>
             <p:cNvCxnSpPr/>
             <p:nvPr/>
           </p:nvCxnSpPr>
@@ -4860,7 +4897,7 @@
         </p:cxnSp>
         <p:cxnSp>
           <p:nvCxnSpPr>
-            <p:cNvPr id="584" name="Connecteur droit 583"/>
+            <p:cNvPr id="508" name="Connecteur droit 507"/>
             <p:cNvCxnSpPr/>
             <p:nvPr/>
           </p:nvCxnSpPr>
@@ -4896,7 +4933,7 @@
         </p:cxnSp>
         <p:sp>
           <p:nvSpPr>
-            <p:cNvPr id="585" name="Rectangle 584"/>
+            <p:cNvPr id="509" name="Rectangle 508"/>
             <p:cNvSpPr/>
             <p:nvPr/>
           </p:nvSpPr>
@@ -4949,7 +4986,7 @@
         </p:sp>
         <p:sp>
           <p:nvSpPr>
-            <p:cNvPr id="586" name="Rectangle 585"/>
+            <p:cNvPr id="510" name="Rectangle 509"/>
             <p:cNvSpPr/>
             <p:nvPr/>
           </p:nvSpPr>
@@ -5003,13 +5040,13 @@
       </p:grpSp>
       <p:cxnSp>
         <p:nvCxnSpPr>
-          <p:cNvPr id="559" name="Connecteur droit 558"/>
+          <p:cNvPr id="511" name="Connecteur droit 510"/>
           <p:cNvCxnSpPr/>
           <p:nvPr/>
         </p:nvCxnSpPr>
         <p:spPr>
           <a:xfrm flipV="1">
-            <a:off x="5600844" y="1794618"/>
+            <a:off x="7113012" y="1794618"/>
             <a:ext cx="2235037" cy="1031303"/>
           </a:xfrm>
           <a:prstGeom prst="line">
@@ -5039,13 +5076,13 @@
       </p:cxnSp>
       <p:cxnSp>
         <p:nvCxnSpPr>
-          <p:cNvPr id="560" name="Connecteur droit 559"/>
+          <p:cNvPr id="512" name="Connecteur droit 511"/>
           <p:cNvCxnSpPr/>
           <p:nvPr/>
         </p:nvCxnSpPr>
         <p:spPr>
           <a:xfrm>
-            <a:off x="5620624" y="2811803"/>
+            <a:off x="7132792" y="2811803"/>
             <a:ext cx="2261415" cy="1016353"/>
           </a:xfrm>
           <a:prstGeom prst="line">
@@ -5075,13 +5112,13 @@
       </p:cxnSp>
       <p:sp>
         <p:nvSpPr>
-          <p:cNvPr id="561" name="Rectangle 560"/>
+          <p:cNvPr id="513" name="Rectangle 512"/>
           <p:cNvSpPr/>
           <p:nvPr/>
         </p:nvSpPr>
         <p:spPr>
           <a:xfrm>
-            <a:off x="7850030" y="1570817"/>
+            <a:off x="9362198" y="1570817"/>
             <a:ext cx="1162499" cy="369331"/>
           </a:xfrm>
           <a:prstGeom prst="rect">
@@ -5128,13 +5165,13 @@
       </p:sp>
       <p:sp>
         <p:nvSpPr>
-          <p:cNvPr id="562" name="Rectangle 561"/>
+          <p:cNvPr id="514" name="Rectangle 513"/>
           <p:cNvSpPr/>
           <p:nvPr/>
         </p:nvSpPr>
         <p:spPr>
           <a:xfrm>
-            <a:off x="7853007" y="4689315"/>
+            <a:off x="9365175" y="4689315"/>
             <a:ext cx="1047082" cy="369331"/>
           </a:xfrm>
           <a:prstGeom prst="rect">
@@ -5181,13 +5218,13 @@
       </p:sp>
       <p:cxnSp>
         <p:nvCxnSpPr>
-          <p:cNvPr id="563" name="Connecteur droit avec flèche 562"/>
+          <p:cNvPr id="515" name="Connecteur droit avec flèche 514"/>
           <p:cNvCxnSpPr/>
           <p:nvPr/>
         </p:nvCxnSpPr>
         <p:spPr>
           <a:xfrm flipH="1">
-            <a:off x="6640636" y="4121416"/>
+            <a:off x="8152804" y="4121416"/>
             <a:ext cx="9109" cy="4340478"/>
           </a:xfrm>
           <a:prstGeom prst="straightConnector1">
@@ -5217,13 +5254,13 @@
       </p:cxnSp>
       <p:cxnSp>
         <p:nvCxnSpPr>
-          <p:cNvPr id="564" name="Connecteur droit avec flèche 563"/>
+          <p:cNvPr id="516" name="Connecteur droit avec flèche 515"/>
           <p:cNvCxnSpPr/>
           <p:nvPr/>
         </p:nvCxnSpPr>
         <p:spPr>
           <a:xfrm flipH="1">
-            <a:off x="6810780" y="4524354"/>
+            <a:off x="8322948" y="4524354"/>
             <a:ext cx="1" cy="3937541"/>
           </a:xfrm>
           <a:prstGeom prst="straightConnector1">
@@ -5253,13 +5290,13 @@
       </p:cxnSp>
       <p:sp>
         <p:nvSpPr>
-          <p:cNvPr id="565" name="Rectangle 564"/>
+          <p:cNvPr id="517" name="Rectangle 516"/>
           <p:cNvSpPr/>
           <p:nvPr/>
         </p:nvSpPr>
         <p:spPr>
           <a:xfrm>
-            <a:off x="6834092" y="7627342"/>
+            <a:off x="8346260" y="7627342"/>
             <a:ext cx="465193" cy="461665"/>
           </a:xfrm>
           <a:prstGeom prst="rect">
@@ -5302,13 +5339,13 @@
       </p:sp>
       <p:sp>
         <p:nvSpPr>
-          <p:cNvPr id="566" name="ZoneTexte 565"/>
+          <p:cNvPr id="518" name="ZoneTexte 517"/>
           <p:cNvSpPr txBox="1"/>
           <p:nvPr/>
         </p:nvSpPr>
         <p:spPr>
           <a:xfrm>
-            <a:off x="5118398" y="3803065"/>
+            <a:off x="6630566" y="3803065"/>
             <a:ext cx="644442" cy="369331"/>
           </a:xfrm>
           <a:prstGeom prst="rect">
@@ -5344,13 +5381,13 @@
       </p:sp>
       <p:sp>
         <p:nvSpPr>
-          <p:cNvPr id="567" name="ZoneTexte 566"/>
+          <p:cNvPr id="519" name="ZoneTexte 518"/>
           <p:cNvSpPr txBox="1"/>
           <p:nvPr/>
         </p:nvSpPr>
         <p:spPr>
           <a:xfrm>
-            <a:off x="6901159" y="2372196"/>
+            <a:off x="8413327" y="2372196"/>
             <a:ext cx="627095" cy="369331"/>
           </a:xfrm>
           <a:prstGeom prst="rect">
@@ -5386,13 +5423,13 @@
       </p:sp>
       <p:sp>
         <p:nvSpPr>
-          <p:cNvPr id="568" name="ZoneTexte 567"/>
+          <p:cNvPr id="520" name="ZoneTexte 519"/>
           <p:cNvSpPr txBox="1"/>
           <p:nvPr/>
         </p:nvSpPr>
         <p:spPr>
           <a:xfrm>
-            <a:off x="5908758" y="1940148"/>
+            <a:off x="7420926" y="1940148"/>
             <a:ext cx="453970" cy="369331"/>
           </a:xfrm>
           <a:prstGeom prst="rect">
@@ -5428,13 +5465,13 @@
       </p:sp>
       <p:sp>
         <p:nvSpPr>
-          <p:cNvPr id="569" name="ZoneTexte 568"/>
+          <p:cNvPr id="521" name="ZoneTexte 520"/>
           <p:cNvSpPr txBox="1"/>
           <p:nvPr/>
         </p:nvSpPr>
         <p:spPr>
           <a:xfrm>
-            <a:off x="7172494" y="4001365"/>
+            <a:off x="8684662" y="4001365"/>
             <a:ext cx="453970" cy="369331"/>
           </a:xfrm>
           <a:prstGeom prst="rect">
@@ -5470,13 +5507,13 @@
       </p:sp>
       <p:sp>
         <p:nvSpPr>
-          <p:cNvPr id="570" name="ZoneTexte 569"/>
+          <p:cNvPr id="522" name="ZoneTexte 521"/>
           <p:cNvSpPr txBox="1"/>
           <p:nvPr/>
         </p:nvSpPr>
         <p:spPr>
           <a:xfrm>
-            <a:off x="5360197" y="8841154"/>
+            <a:off x="6872365" y="8841154"/>
             <a:ext cx="312906" cy="400110"/>
           </a:xfrm>
           <a:prstGeom prst="rect">
@@ -5506,7 +5543,7 @@
       </p:sp>
       <p:sp>
         <p:nvSpPr>
-          <p:cNvPr id="571" name="Line 10"/>
+          <p:cNvPr id="523" name="Line 10"/>
           <p:cNvSpPr>
             <a:spLocks noChangeShapeType="1"/>
           </p:cNvSpPr>
@@ -5514,7 +5551,7 @@
         </p:nvSpPr>
         <p:spPr bwMode="auto">
           <a:xfrm flipV="1">
-            <a:off x="5560395" y="6005773"/>
+            <a:off x="7072563" y="6005773"/>
             <a:ext cx="15819" cy="2895436"/>
           </a:xfrm>
           <a:prstGeom prst="line">
@@ -5557,7 +5594,7 @@
       </p:sp>
       <p:sp>
         <p:nvSpPr>
-          <p:cNvPr id="572" name="Forme libre 11"/>
+          <p:cNvPr id="524" name="Forme libre 11"/>
           <p:cNvSpPr>
             <a:spLocks/>
           </p:cNvSpPr>
@@ -5565,7 +5602,7 @@
         </p:nvSpPr>
         <p:spPr bwMode="auto">
           <a:xfrm>
-            <a:off x="5455209" y="5972764"/>
+            <a:off x="6967377" y="5972764"/>
             <a:ext cx="229462" cy="159964"/>
           </a:xfrm>
           <a:custGeom>
@@ -5653,7 +5690,7 @@
       </p:sp>
       <p:sp>
         <p:nvSpPr>
-          <p:cNvPr id="573" name="Line 10"/>
+          <p:cNvPr id="525" name="Line 10"/>
           <p:cNvSpPr>
             <a:spLocks noChangeShapeType="1"/>
           </p:cNvSpPr>
@@ -5661,7 +5698,7 @@
         </p:nvSpPr>
         <p:spPr bwMode="auto">
           <a:xfrm flipV="1">
-            <a:off x="5587566" y="392966"/>
+            <a:off x="7099734" y="392966"/>
             <a:ext cx="46126" cy="5536021"/>
           </a:xfrm>
           <a:prstGeom prst="line">
@@ -5704,7 +5741,7 @@
       </p:sp>
       <p:sp>
         <p:nvSpPr>
-          <p:cNvPr id="574" name="Forme libre 11"/>
+          <p:cNvPr id="526" name="Forme libre 11"/>
           <p:cNvSpPr>
             <a:spLocks/>
           </p:cNvSpPr>
@@ -5712,7 +5749,7 @@
         </p:nvSpPr>
         <p:spPr bwMode="auto">
           <a:xfrm>
-            <a:off x="5455209" y="5839113"/>
+            <a:off x="6967377" y="5839113"/>
             <a:ext cx="229462" cy="159964"/>
           </a:xfrm>
           <a:custGeom>
@@ -5800,13 +5837,13 @@
       </p:sp>
       <p:sp>
         <p:nvSpPr>
-          <p:cNvPr id="575" name="Rectangle 574"/>
+          <p:cNvPr id="527" name="Rectangle 526"/>
           <p:cNvSpPr/>
           <p:nvPr/>
         </p:nvSpPr>
         <p:spPr>
           <a:xfrm>
-            <a:off x="5651864" y="283964"/>
+            <a:off x="7164032" y="283964"/>
             <a:ext cx="341760" cy="400110"/>
           </a:xfrm>
           <a:prstGeom prst="rect">
@@ -5835,13 +5872,13 @@
       </p:sp>
       <p:cxnSp>
         <p:nvCxnSpPr>
-          <p:cNvPr id="576" name="Connecteur droit avec flèche 575"/>
+          <p:cNvPr id="528" name="Connecteur droit avec flèche 527"/>
           <p:cNvCxnSpPr/>
           <p:nvPr/>
         </p:nvCxnSpPr>
         <p:spPr>
           <a:xfrm flipH="1">
-            <a:off x="5427023" y="6623208"/>
+            <a:off x="6939191" y="6623208"/>
             <a:ext cx="29159" cy="1906104"/>
           </a:xfrm>
           <a:prstGeom prst="straightConnector1">
@@ -5869,13 +5906,13 @@
       </p:cxnSp>
       <p:sp>
         <p:nvSpPr>
-          <p:cNvPr id="577" name="Rectangle 576"/>
+          <p:cNvPr id="531" name="Rectangle 530"/>
           <p:cNvSpPr/>
           <p:nvPr/>
         </p:nvSpPr>
         <p:spPr>
           <a:xfrm>
-            <a:off x="4901251" y="7426040"/>
+            <a:off x="6413419" y="7426040"/>
             <a:ext cx="455574" cy="400110"/>
           </a:xfrm>
           <a:prstGeom prst="rect">
@@ -5914,7 +5951,7 @@
       </p:sp>
       <p:sp>
         <p:nvSpPr>
-          <p:cNvPr id="578" name="Line 10"/>
+          <p:cNvPr id="600" name="Line 10"/>
           <p:cNvSpPr>
             <a:spLocks noChangeShapeType="1"/>
           </p:cNvSpPr>
@@ -5922,7 +5959,7 @@
         </p:nvSpPr>
         <p:spPr bwMode="auto">
           <a:xfrm flipV="1">
-            <a:off x="5454817" y="8841154"/>
+            <a:off x="6966985" y="8841154"/>
             <a:ext cx="2873306" cy="0"/>
           </a:xfrm>
           <a:prstGeom prst="line">
@@ -5965,7 +6002,7 @@
       </p:sp>
       <p:sp>
         <p:nvSpPr>
-          <p:cNvPr id="579" name="Rectangle 13"/>
+          <p:cNvPr id="604" name="Rectangle 13"/>
           <p:cNvSpPr>
             <a:spLocks noChangeArrowheads="1"/>
           </p:cNvSpPr>
@@ -5973,7 +6010,7 @@
         </p:nvSpPr>
         <p:spPr bwMode="auto">
           <a:xfrm rot="16200000">
-            <a:off x="3702297" y="3356508"/>
+            <a:off x="5214465" y="3356508"/>
             <a:ext cx="1399074" cy="363363"/>
           </a:xfrm>
           <a:prstGeom prst="rect">
@@ -6048,7 +6085,7 @@
       </p:sp>
       <p:sp>
         <p:nvSpPr>
-          <p:cNvPr id="580" name="Rectangle 73"/>
+          <p:cNvPr id="612" name="Rectangle 73"/>
           <p:cNvSpPr>
             <a:spLocks noChangeArrowheads="1"/>
           </p:cNvSpPr>
@@ -6056,7 +6093,7 @@
         </p:nvSpPr>
         <p:spPr bwMode="auto">
           <a:xfrm rot="16200000">
-            <a:off x="3694104" y="7447088"/>
+            <a:off x="5206272" y="7447088"/>
             <a:ext cx="1399074" cy="363363"/>
           </a:xfrm>
           <a:prstGeom prst="rect">
@@ -6125,13 +6162,13 @@
       </p:sp>
       <p:sp>
         <p:nvSpPr>
-          <p:cNvPr id="581" name="Ellipse 580"/>
+          <p:cNvPr id="613" name="Ellipse 612"/>
           <p:cNvSpPr/>
           <p:nvPr/>
         </p:nvSpPr>
         <p:spPr>
           <a:xfrm>
-            <a:off x="7615318" y="4577686"/>
+            <a:off x="9127486" y="4577686"/>
             <a:ext cx="358887" cy="341536"/>
           </a:xfrm>
           <a:prstGeom prst="ellipse">
@@ -6176,13 +6213,13 @@
       </p:sp>
       <p:sp>
         <p:nvSpPr>
-          <p:cNvPr id="582" name="ZoneTexte 581"/>
+          <p:cNvPr id="615" name="ZoneTexte 614"/>
           <p:cNvSpPr txBox="1"/>
           <p:nvPr/>
         </p:nvSpPr>
         <p:spPr>
           <a:xfrm>
-            <a:off x="7363649" y="4841589"/>
+            <a:off x="8875817" y="4841589"/>
             <a:ext cx="453970" cy="369331"/>
           </a:xfrm>
           <a:prstGeom prst="rect">
@@ -6218,13 +6255,13 @@
       </p:sp>
       <p:sp>
         <p:nvSpPr>
-          <p:cNvPr id="601" name="Ellipse 600"/>
+          <p:cNvPr id="616" name="Ellipse 615"/>
           <p:cNvSpPr/>
           <p:nvPr/>
         </p:nvSpPr>
         <p:spPr>
           <a:xfrm>
-            <a:off x="2124298" y="5250409"/>
+            <a:off x="3636466" y="5250409"/>
             <a:ext cx="432048" cy="492422"/>
           </a:xfrm>
           <a:prstGeom prst="ellipse">
@@ -6269,13 +6306,13 @@
       </p:sp>
       <p:sp>
         <p:nvSpPr>
-          <p:cNvPr id="602" name="ZoneTexte 601"/>
+          <p:cNvPr id="617" name="ZoneTexte 616"/>
           <p:cNvSpPr txBox="1"/>
           <p:nvPr/>
         </p:nvSpPr>
         <p:spPr>
           <a:xfrm>
-            <a:off x="2772370" y="5105196"/>
+            <a:off x="4284538" y="5105196"/>
             <a:ext cx="644442" cy="369331"/>
           </a:xfrm>
           <a:prstGeom prst="rect">
@@ -6311,13 +6348,13 @@
       </p:sp>
       <p:sp>
         <p:nvSpPr>
-          <p:cNvPr id="603" name="Ellipse 602"/>
+          <p:cNvPr id="618" name="Ellipse 617"/>
           <p:cNvSpPr/>
           <p:nvPr/>
         </p:nvSpPr>
         <p:spPr>
           <a:xfrm>
-            <a:off x="2175838" y="3273370"/>
+            <a:off x="3688006" y="3273370"/>
             <a:ext cx="432048" cy="492422"/>
           </a:xfrm>
           <a:prstGeom prst="ellipse">
@@ -6362,13 +6399,13 @@
       </p:sp>
       <p:sp>
         <p:nvSpPr>
-          <p:cNvPr id="605" name="ZoneTexte 604"/>
+          <p:cNvPr id="619" name="ZoneTexte 618"/>
           <p:cNvSpPr txBox="1"/>
           <p:nvPr/>
         </p:nvSpPr>
         <p:spPr>
           <a:xfrm>
-            <a:off x="2628354" y="3301240"/>
+            <a:off x="4140522" y="3301240"/>
             <a:ext cx="644442" cy="369331"/>
           </a:xfrm>
           <a:prstGeom prst="rect">
@@ -6404,13 +6441,13 @@
       </p:sp>
       <p:sp>
         <p:nvSpPr>
-          <p:cNvPr id="606" name="Ellipse 605"/>
+          <p:cNvPr id="620" name="Ellipse 619"/>
           <p:cNvSpPr/>
           <p:nvPr/>
         </p:nvSpPr>
         <p:spPr>
           <a:xfrm>
-            <a:off x="2137192" y="7083838"/>
+            <a:off x="3649360" y="7083838"/>
             <a:ext cx="432048" cy="492422"/>
           </a:xfrm>
           <a:prstGeom prst="ellipse">
@@ -6455,13 +6492,13 @@
       </p:sp>
       <p:sp>
         <p:nvSpPr>
-          <p:cNvPr id="607" name="Ellipse 606"/>
+          <p:cNvPr id="621" name="Ellipse 620"/>
           <p:cNvSpPr/>
           <p:nvPr/>
         </p:nvSpPr>
         <p:spPr>
           <a:xfrm>
-            <a:off x="2713132" y="8112386"/>
+            <a:off x="3924498" y="6678935"/>
             <a:ext cx="432048" cy="492422"/>
           </a:xfrm>
           <a:prstGeom prst="ellipse">
@@ -6506,13 +6543,13 @@
       </p:sp>
       <p:sp>
         <p:nvSpPr>
-          <p:cNvPr id="608" name="Ellipse 607"/>
+          <p:cNvPr id="622" name="Ellipse 621"/>
           <p:cNvSpPr/>
           <p:nvPr/>
         </p:nvSpPr>
         <p:spPr>
           <a:xfrm>
-            <a:off x="1620242" y="4460527"/>
+            <a:off x="3132410" y="4460527"/>
             <a:ext cx="432048" cy="492422"/>
           </a:xfrm>
           <a:prstGeom prst="ellipse">
@@ -6557,13 +6594,13 @@
       </p:sp>
       <p:sp>
         <p:nvSpPr>
-          <p:cNvPr id="609" name="ZoneTexte 608"/>
+          <p:cNvPr id="623" name="ZoneTexte 622"/>
           <p:cNvSpPr txBox="1"/>
           <p:nvPr/>
         </p:nvSpPr>
         <p:spPr>
           <a:xfrm>
-            <a:off x="1695880" y="7173700"/>
+            <a:off x="3208048" y="7173700"/>
             <a:ext cx="644442" cy="369331"/>
           </a:xfrm>
           <a:prstGeom prst="rect">
@@ -6599,13 +6636,13 @@
       </p:sp>
       <p:sp>
         <p:nvSpPr>
-          <p:cNvPr id="610" name="ZoneTexte 609"/>
+          <p:cNvPr id="624" name="ZoneTexte 623"/>
           <p:cNvSpPr txBox="1"/>
           <p:nvPr/>
         </p:nvSpPr>
         <p:spPr>
           <a:xfrm>
-            <a:off x="1191824" y="4518695"/>
+            <a:off x="2703992" y="4518695"/>
             <a:ext cx="644442" cy="369331"/>
           </a:xfrm>
           <a:prstGeom prst="rect">
@@ -6641,13 +6678,13 @@
       </p:sp>
       <p:sp>
         <p:nvSpPr>
-          <p:cNvPr id="611" name="ZoneTexte 610"/>
+          <p:cNvPr id="625" name="ZoneTexte 624"/>
           <p:cNvSpPr txBox="1"/>
           <p:nvPr/>
         </p:nvSpPr>
         <p:spPr>
           <a:xfrm>
-            <a:off x="3272796" y="8152397"/>
+            <a:off x="4428554" y="6741652"/>
             <a:ext cx="644442" cy="369331"/>
           </a:xfrm>
           <a:prstGeom prst="rect">
@@ -6683,13 +6720,13 @@
       </p:sp>
       <p:sp>
         <p:nvSpPr>
-          <p:cNvPr id="10" name="ZoneTexte 9"/>
+          <p:cNvPr id="626" name="ZoneTexte 625"/>
           <p:cNvSpPr txBox="1"/>
           <p:nvPr/>
         </p:nvSpPr>
         <p:spPr>
           <a:xfrm>
-            <a:off x="252090" y="-89817"/>
+            <a:off x="1764258" y="-89817"/>
             <a:ext cx="423514" cy="461665"/>
           </a:xfrm>
           <a:prstGeom prst="rect">
@@ -6719,13 +6756,13 @@
       </p:sp>
       <p:sp>
         <p:nvSpPr>
-          <p:cNvPr id="613" name="ZoneTexte 612"/>
+          <p:cNvPr id="627" name="ZoneTexte 626"/>
           <p:cNvSpPr txBox="1"/>
           <p:nvPr/>
         </p:nvSpPr>
         <p:spPr>
           <a:xfrm>
-            <a:off x="252090" y="1968798"/>
+            <a:off x="6222646" y="-89817"/>
             <a:ext cx="441146" cy="461665"/>
           </a:xfrm>
           <a:prstGeom prst="rect">
@@ -6739,12 +6776,19 @@
           </a:bodyPr>
           <a:lstStyle/>
           <a:p>
+            <a:r>
+              <a:rPr lang="fr-FR" sz="2400" dirty="0">
+                <a:latin typeface="Times New Roman" panose="02020603050405020304" pitchFamily="18" charset="0"/>
+                <a:cs typeface="Times New Roman" panose="02020603050405020304" pitchFamily="18" charset="0"/>
+              </a:rPr>
+              <a:t>b</a:t>
+            </a:r>
             <a:r>
               <a:rPr lang="fr-FR" sz="2400" dirty="0" smtClean="0">
                 <a:latin typeface="Times New Roman" panose="02020603050405020304" pitchFamily="18" charset="0"/>
                 <a:cs typeface="Times New Roman" panose="02020603050405020304" pitchFamily="18" charset="0"/>
               </a:rPr>
-              <a:t>b)</a:t>
+              <a:t>)</a:t>
             </a:r>
             <a:endParaRPr lang="fr-FR" sz="2400" dirty="0">
               <a:latin typeface="Times New Roman" panose="02020603050405020304" pitchFamily="18" charset="0"/>
@@ -6755,14 +6799,14 @@
       </p:sp>
       <p:sp>
         <p:nvSpPr>
-          <p:cNvPr id="614" name="ZoneTexte 613"/>
+          <p:cNvPr id="628" name="ZoneTexte 627"/>
           <p:cNvSpPr txBox="1"/>
           <p:nvPr/>
         </p:nvSpPr>
         <p:spPr>
           <a:xfrm>
-            <a:off x="4710478" y="141015"/>
-            <a:ext cx="423514" cy="461665"/>
+            <a:off x="2397515" y="8257024"/>
+            <a:ext cx="628698" cy="553998"/>
           </a:xfrm>
           <a:prstGeom prst="rect">
             <a:avLst/>
@@ -6776,13 +6820,302 @@
           <a:lstStyle/>
           <a:p>
             <a:r>
-              <a:rPr lang="fr-FR" sz="2400" dirty="0" smtClean="0">
+              <a:rPr lang="fr-FR" sz="3000" dirty="0" smtClean="0">
+                <a:solidFill>
+                  <a:srgbClr val="FF0000"/>
+                </a:solidFill>
+                <a:latin typeface="Symbol" panose="05050102010706020507" pitchFamily="18" charset="2"/>
+              </a:rPr>
+              <a:t>s+</a:t>
+            </a:r>
+            <a:endParaRPr lang="fr-FR" sz="3000" dirty="0">
+              <a:solidFill>
+                <a:srgbClr val="FF0000"/>
+              </a:solidFill>
+              <a:latin typeface="Symbol" panose="05050102010706020507" pitchFamily="18" charset="2"/>
+            </a:endParaRPr>
+          </a:p>
+        </p:txBody>
+      </p:sp>
+      <p:sp>
+        <p:nvSpPr>
+          <p:cNvPr id="629" name="ZoneTexte 628"/>
+          <p:cNvSpPr txBox="1"/>
+          <p:nvPr/>
+        </p:nvSpPr>
+        <p:spPr>
+          <a:xfrm>
+            <a:off x="4951984" y="2214439"/>
+            <a:ext cx="628698" cy="553998"/>
+          </a:xfrm>
+          <a:prstGeom prst="rect">
+            <a:avLst/>
+          </a:prstGeom>
+          <a:noFill/>
+        </p:spPr>
+        <p:txBody>
+          <a:bodyPr wrap="none" rtlCol="0">
+            <a:spAutoFit/>
+          </a:bodyPr>
+          <a:lstStyle/>
+          <a:p>
+            <a:r>
+              <a:rPr lang="fr-FR" sz="3000" dirty="0" smtClean="0">
+                <a:solidFill>
+                  <a:srgbClr val="FF0000"/>
+                </a:solidFill>
+                <a:latin typeface="Symbol" panose="05050102010706020507" pitchFamily="18" charset="2"/>
+              </a:rPr>
+              <a:t>s-</a:t>
+            </a:r>
+            <a:endParaRPr lang="fr-FR" sz="3000" dirty="0">
+              <a:solidFill>
+                <a:srgbClr val="FF0000"/>
+              </a:solidFill>
+              <a:latin typeface="Symbol" panose="05050102010706020507" pitchFamily="18" charset="2"/>
+            </a:endParaRPr>
+          </a:p>
+        </p:txBody>
+      </p:sp>
+      <p:pic>
+        <p:nvPicPr>
+          <p:cNvPr id="630" name="Picture 3"/>
+          <p:cNvPicPr>
+            <a:picLocks noChangeAspect="1" noChangeArrowheads="1"/>
+          </p:cNvPicPr>
+          <p:nvPr/>
+        </p:nvPicPr>
+        <p:blipFill rotWithShape="1">
+          <a:blip r:embed="rId5">
+            <a:extLst>
+              <a:ext uri="{28A0092B-C50C-407E-A947-70E740481C1C}">
+                <a14:useLocalDpi xmlns:a14="http://schemas.microsoft.com/office/drawing/2010/main" val="0"/>
+              </a:ext>
+            </a:extLst>
+          </a:blip>
+          <a:srcRect r="12930"/>
+          <a:stretch/>
+        </p:blipFill>
+        <p:spPr bwMode="auto">
+          <a:xfrm>
+            <a:off x="-684014" y="6678935"/>
+            <a:ext cx="2304000" cy="2827056"/>
+          </a:xfrm>
+          <a:prstGeom prst="rect">
+            <a:avLst/>
+          </a:prstGeom>
+          <a:noFill/>
+          <a:ln>
+            <a:noFill/>
+          </a:ln>
+          <a:extLst>
+            <a:ext uri="{909E8E84-426E-40DD-AFC4-6F175D3DCCD1}">
+              <a14:hiddenFill xmlns:a14="http://schemas.microsoft.com/office/drawing/2010/main">
+                <a:solidFill>
+                  <a:schemeClr val="accent1"/>
+                </a:solidFill>
+              </a14:hiddenFill>
+            </a:ext>
+            <a:ext uri="{91240B29-F687-4F45-9708-019B960494DF}">
+              <a14:hiddenLine xmlns:a14="http://schemas.microsoft.com/office/drawing/2010/main" w="9525">
+                <a:solidFill>
+                  <a:schemeClr val="tx1"/>
+                </a:solidFill>
+                <a:miter lim="800000"/>
+                <a:headEnd/>
+                <a:tailEnd/>
+              </a14:hiddenLine>
+            </a:ext>
+          </a:extLst>
+        </p:spPr>
+      </p:pic>
+      <p:pic>
+        <p:nvPicPr>
+          <p:cNvPr id="631" name="Picture 5"/>
+          <p:cNvPicPr>
+            <a:picLocks noChangeAspect="1" noChangeArrowheads="1"/>
+          </p:cNvPicPr>
+          <p:nvPr/>
+        </p:nvPicPr>
+        <p:blipFill rotWithShape="1">
+          <a:blip r:embed="rId6">
+            <a:extLst>
+              <a:ext uri="{28A0092B-C50C-407E-A947-70E740481C1C}">
+                <a14:useLocalDpi xmlns:a14="http://schemas.microsoft.com/office/drawing/2010/main" val="0"/>
+              </a:ext>
+            </a:extLst>
+          </a:blip>
+          <a:srcRect b="20602"/>
+          <a:stretch/>
+        </p:blipFill>
+        <p:spPr bwMode="auto">
+          <a:xfrm>
+            <a:off x="-651958" y="2070001"/>
+            <a:ext cx="2600325" cy="2205786"/>
+          </a:xfrm>
+          <a:prstGeom prst="rect">
+            <a:avLst/>
+          </a:prstGeom>
+          <a:noFill/>
+          <a:ln>
+            <a:noFill/>
+          </a:ln>
+          <a:extLst>
+            <a:ext uri="{909E8E84-426E-40DD-AFC4-6F175D3DCCD1}">
+              <a14:hiddenFill xmlns:a14="http://schemas.microsoft.com/office/drawing/2010/main">
+                <a:solidFill>
+                  <a:schemeClr val="accent1"/>
+                </a:solidFill>
+              </a14:hiddenFill>
+            </a:ext>
+            <a:ext uri="{91240B29-F687-4F45-9708-019B960494DF}">
+              <a14:hiddenLine xmlns:a14="http://schemas.microsoft.com/office/drawing/2010/main" w="9525">
+                <a:solidFill>
+                  <a:schemeClr val="tx1"/>
+                </a:solidFill>
+                <a:miter lim="800000"/>
+                <a:headEnd/>
+                <a:tailEnd/>
+              </a14:hiddenLine>
+            </a:ext>
+          </a:extLst>
+        </p:spPr>
+      </p:pic>
+      <p:sp>
+        <p:nvSpPr>
+          <p:cNvPr id="91" name="Ellipse 90"/>
+          <p:cNvSpPr/>
+          <p:nvPr/>
+        </p:nvSpPr>
+        <p:spPr>
+          <a:xfrm>
+            <a:off x="3132410" y="2070000"/>
+            <a:ext cx="432048" cy="396000"/>
+          </a:xfrm>
+          <a:prstGeom prst="ellipse">
+            <a:avLst/>
+          </a:prstGeom>
+          <a:noFill/>
+          <a:ln w="19050">
+            <a:solidFill>
+              <a:srgbClr val="FF0000"/>
+            </a:solidFill>
+            <a:prstDash val="sysDash"/>
+          </a:ln>
+        </p:spPr>
+        <p:style>
+          <a:lnRef idx="2">
+            <a:schemeClr val="accent1">
+              <a:shade val="50000"/>
+            </a:schemeClr>
+          </a:lnRef>
+          <a:fillRef idx="1">
+            <a:schemeClr val="accent1"/>
+          </a:fillRef>
+          <a:effectRef idx="0">
+            <a:schemeClr val="accent1"/>
+          </a:effectRef>
+          <a:fontRef idx="minor">
+            <a:schemeClr val="lt1"/>
+          </a:fontRef>
+        </p:style>
+        <p:txBody>
+          <a:bodyPr rtlCol="0" anchor="ctr"/>
+          <a:lstStyle/>
+          <a:p>
+            <a:pPr algn="ctr"/>
+            <a:endParaRPr lang="en-US">
+              <a:solidFill>
+                <a:srgbClr val="FF0000"/>
+              </a:solidFill>
+            </a:endParaRPr>
+          </a:p>
+        </p:txBody>
+      </p:sp>
+      <p:sp>
+        <p:nvSpPr>
+          <p:cNvPr id="2" name="Rectangle 1"/>
+          <p:cNvSpPr/>
+          <p:nvPr/>
+        </p:nvSpPr>
+        <p:spPr>
+          <a:xfrm>
+            <a:off x="3026213" y="2052000"/>
+            <a:ext cx="610253" cy="201600"/>
+          </a:xfrm>
+          <a:prstGeom prst="rect">
+            <a:avLst/>
+          </a:prstGeom>
+          <a:solidFill>
+            <a:schemeClr val="bg1"/>
+          </a:solidFill>
+          <a:ln>
+            <a:solidFill>
+              <a:schemeClr val="bg1"/>
+            </a:solidFill>
+          </a:ln>
+        </p:spPr>
+        <p:style>
+          <a:lnRef idx="2">
+            <a:schemeClr val="accent1">
+              <a:shade val="50000"/>
+            </a:schemeClr>
+          </a:lnRef>
+          <a:fillRef idx="1">
+            <a:schemeClr val="accent1"/>
+          </a:fillRef>
+          <a:effectRef idx="0">
+            <a:schemeClr val="accent1"/>
+          </a:effectRef>
+          <a:fontRef idx="minor">
+            <a:schemeClr val="lt1"/>
+          </a:fontRef>
+        </p:style>
+        <p:txBody>
+          <a:bodyPr rtlCol="0" anchor="ctr"/>
+          <a:lstStyle/>
+          <a:p>
+            <a:pPr algn="ctr"/>
+            <a:endParaRPr lang="fr-FR"/>
+          </a:p>
+        </p:txBody>
+      </p:sp>
+      <p:sp>
+        <p:nvSpPr>
+          <p:cNvPr id="93" name="ZoneTexte 92"/>
+          <p:cNvSpPr txBox="1"/>
+          <p:nvPr/>
+        </p:nvSpPr>
+        <p:spPr>
+          <a:xfrm>
+            <a:off x="2650092" y="2254949"/>
+            <a:ext cx="644442" cy="369331"/>
+          </a:xfrm>
+          <a:prstGeom prst="rect">
+            <a:avLst/>
+          </a:prstGeom>
+          <a:noFill/>
+        </p:spPr>
+        <p:txBody>
+          <a:bodyPr wrap="square" rtlCol="0">
+            <a:spAutoFit/>
+          </a:bodyPr>
+          <a:lstStyle/>
+          <a:p>
+            <a:r>
+              <a:rPr lang="fr-FR" dirty="0" smtClean="0">
+                <a:solidFill>
+                  <a:srgbClr val="FF0000"/>
+                </a:solidFill>
                 <a:latin typeface="Times New Roman" panose="02020603050405020304" pitchFamily="18" charset="0"/>
                 <a:cs typeface="Times New Roman" panose="02020603050405020304" pitchFamily="18" charset="0"/>
               </a:rPr>
-              <a:t>c)</a:t>
-            </a:r>
-            <a:endParaRPr lang="fr-FR" sz="2400" dirty="0">
+              <a:t>(6)</a:t>
+            </a:r>
+            <a:endParaRPr lang="en-US" dirty="0">
+              <a:solidFill>
+                <a:srgbClr val="FF0000"/>
+              </a:solidFill>
               <a:latin typeface="Times New Roman" panose="02020603050405020304" pitchFamily="18" charset="0"/>
               <a:cs typeface="Times New Roman" panose="02020603050405020304" pitchFamily="18" charset="0"/>
             </a:endParaRPr>

--- a/04-CrMagOpt/Pictures/SimuAntiferro.pptx
+++ b/04-CrMagOpt/Pictures/SimuAntiferro.pptx
@@ -7,7 +7,7 @@
   <p:sldIdLst>
     <p:sldId id="256" r:id="rId2"/>
   </p:sldIdLst>
-  <p:sldSz cx="10477500" cy="9469438"/>
+  <p:sldSz cx="10548938" cy="9469438"/>
   <p:notesSz cx="6858000" cy="9144000"/>
   <p:defaultTextStyle>
     <a:defPPr>
@@ -136,8 +136,8 @@
         </p:nvSpPr>
         <p:spPr>
           <a:xfrm>
-            <a:off x="785816" y="2941671"/>
-            <a:ext cx="8905874" cy="2029791"/>
+            <a:off x="791174" y="2941672"/>
+            <a:ext cx="8966596" cy="2029791"/>
           </a:xfrm>
         </p:spPr>
         <p:txBody>
@@ -164,8 +164,8 @@
         </p:nvSpPr>
         <p:spPr>
           <a:xfrm>
-            <a:off x="1571627" y="5366020"/>
-            <a:ext cx="7334250" cy="2419969"/>
+            <a:off x="1582343" y="5366021"/>
+            <a:ext cx="7384257" cy="2419969"/>
           </a:xfrm>
         </p:spPr>
         <p:txBody>
@@ -288,7 +288,7 @@
           <a:p>
             <a:fld id="{55E2B1C3-85C9-4F15-B2B7-DF895873764E}" type="datetimeFigureOut">
               <a:rPr lang="fr-FR" smtClean="0"/>
-              <a:t>27/06/2017</a:t>
+              <a:t>29/06/2017</a:t>
             </a:fld>
             <a:endParaRPr lang="fr-FR"/>
           </a:p>
@@ -458,7 +458,7 @@
           <a:p>
             <a:fld id="{55E2B1C3-85C9-4F15-B2B7-DF895873764E}" type="datetimeFigureOut">
               <a:rPr lang="fr-FR" smtClean="0"/>
-              <a:t>27/06/2017</a:t>
+              <a:t>29/06/2017</a:t>
             </a:fld>
             <a:endParaRPr lang="fr-FR"/>
           </a:p>
@@ -548,8 +548,8 @@
         </p:nvSpPr>
         <p:spPr>
           <a:xfrm>
-            <a:off x="7596188" y="379218"/>
-            <a:ext cx="2357437" cy="8079710"/>
+            <a:off x="7647981" y="379218"/>
+            <a:ext cx="2373511" cy="8079710"/>
           </a:xfrm>
         </p:spPr>
         <p:txBody>
@@ -576,8 +576,8 @@
         </p:nvSpPr>
         <p:spPr>
           <a:xfrm>
-            <a:off x="523875" y="379218"/>
-            <a:ext cx="6897689" cy="8079710"/>
+            <a:off x="527447" y="379218"/>
+            <a:ext cx="6944719" cy="8079710"/>
           </a:xfrm>
         </p:spPr>
         <p:txBody>
@@ -638,7 +638,7 @@
           <a:p>
             <a:fld id="{55E2B1C3-85C9-4F15-B2B7-DF895873764E}" type="datetimeFigureOut">
               <a:rPr lang="fr-FR" smtClean="0"/>
-              <a:t>27/06/2017</a:t>
+              <a:t>29/06/2017</a:t>
             </a:fld>
             <a:endParaRPr lang="fr-FR"/>
           </a:p>
@@ -808,7 +808,7 @@
           <a:p>
             <a:fld id="{55E2B1C3-85C9-4F15-B2B7-DF895873764E}" type="datetimeFigureOut">
               <a:rPr lang="fr-FR" smtClean="0"/>
-              <a:t>27/06/2017</a:t>
+              <a:t>29/06/2017</a:t>
             </a:fld>
             <a:endParaRPr lang="fr-FR"/>
           </a:p>
@@ -898,8 +898,8 @@
         </p:nvSpPr>
         <p:spPr>
           <a:xfrm>
-            <a:off x="827653" y="6084992"/>
-            <a:ext cx="8905874" cy="1880736"/>
+            <a:off x="833296" y="6084992"/>
+            <a:ext cx="8966596" cy="1880736"/>
           </a:xfrm>
         </p:spPr>
         <p:txBody>
@@ -930,8 +930,8 @@
         </p:nvSpPr>
         <p:spPr>
           <a:xfrm>
-            <a:off x="827653" y="4013558"/>
-            <a:ext cx="8905874" cy="2071439"/>
+            <a:off x="833296" y="4013559"/>
+            <a:ext cx="8966596" cy="2071439"/>
           </a:xfrm>
         </p:spPr>
         <p:txBody>
@@ -1054,7 +1054,7 @@
           <a:p>
             <a:fld id="{55E2B1C3-85C9-4F15-B2B7-DF895873764E}" type="datetimeFigureOut">
               <a:rPr lang="fr-FR" smtClean="0"/>
-              <a:t>27/06/2017</a:t>
+              <a:t>29/06/2017</a:t>
             </a:fld>
             <a:endParaRPr lang="fr-FR"/>
           </a:p>
@@ -1167,8 +1167,8 @@
         </p:nvSpPr>
         <p:spPr>
           <a:xfrm>
-            <a:off x="523877" y="2209543"/>
-            <a:ext cx="4627562" cy="6249391"/>
+            <a:off x="527449" y="2209544"/>
+            <a:ext cx="4659114" cy="6249391"/>
           </a:xfrm>
         </p:spPr>
         <p:txBody>
@@ -1252,8 +1252,8 @@
         </p:nvSpPr>
         <p:spPr>
           <a:xfrm>
-            <a:off x="5326062" y="2209543"/>
-            <a:ext cx="4627562" cy="6249391"/>
+            <a:off x="5362376" y="2209544"/>
+            <a:ext cx="4659114" cy="6249391"/>
           </a:xfrm>
         </p:spPr>
         <p:txBody>
@@ -1342,7 +1342,7 @@
           <a:p>
             <a:fld id="{55E2B1C3-85C9-4F15-B2B7-DF895873764E}" type="datetimeFigureOut">
               <a:rPr lang="fr-FR" smtClean="0"/>
-              <a:t>27/06/2017</a:t>
+              <a:t>29/06/2017</a:t>
             </a:fld>
             <a:endParaRPr lang="fr-FR"/>
           </a:p>
@@ -1459,8 +1459,8 @@
         </p:nvSpPr>
         <p:spPr>
           <a:xfrm>
-            <a:off x="523876" y="2119665"/>
-            <a:ext cx="4629383" cy="883376"/>
+            <a:off x="527449" y="2119665"/>
+            <a:ext cx="4660947" cy="883376"/>
           </a:xfrm>
         </p:spPr>
         <p:txBody>
@@ -1524,8 +1524,8 @@
         </p:nvSpPr>
         <p:spPr>
           <a:xfrm>
-            <a:off x="523876" y="3003041"/>
-            <a:ext cx="4629383" cy="5455888"/>
+            <a:off x="527449" y="3003041"/>
+            <a:ext cx="4660947" cy="5455888"/>
           </a:xfrm>
         </p:spPr>
         <p:txBody>
@@ -1609,8 +1609,8 @@
         </p:nvSpPr>
         <p:spPr>
           <a:xfrm>
-            <a:off x="5322434" y="2119665"/>
-            <a:ext cx="4631201" cy="883376"/>
+            <a:off x="5358724" y="2119665"/>
+            <a:ext cx="4662778" cy="883376"/>
           </a:xfrm>
         </p:spPr>
         <p:txBody>
@@ -1674,8 +1674,8 @@
         </p:nvSpPr>
         <p:spPr>
           <a:xfrm>
-            <a:off x="5322434" y="3003041"/>
-            <a:ext cx="4631201" cy="5455888"/>
+            <a:off x="5358724" y="3003041"/>
+            <a:ext cx="4662778" cy="5455888"/>
           </a:xfrm>
         </p:spPr>
         <p:txBody>
@@ -1764,7 +1764,7 @@
           <a:p>
             <a:fld id="{55E2B1C3-85C9-4F15-B2B7-DF895873764E}" type="datetimeFigureOut">
               <a:rPr lang="fr-FR" smtClean="0"/>
-              <a:t>27/06/2017</a:t>
+              <a:t>29/06/2017</a:t>
             </a:fld>
             <a:endParaRPr lang="fr-FR"/>
           </a:p>
@@ -1882,7 +1882,7 @@
           <a:p>
             <a:fld id="{55E2B1C3-85C9-4F15-B2B7-DF895873764E}" type="datetimeFigureOut">
               <a:rPr lang="fr-FR" smtClean="0"/>
-              <a:t>27/06/2017</a:t>
+              <a:t>29/06/2017</a:t>
             </a:fld>
             <a:endParaRPr lang="fr-FR"/>
           </a:p>
@@ -1977,7 +1977,7 @@
           <a:p>
             <a:fld id="{55E2B1C3-85C9-4F15-B2B7-DF895873764E}" type="datetimeFigureOut">
               <a:rPr lang="fr-FR" smtClean="0"/>
-              <a:t>27/06/2017</a:t>
+              <a:t>29/06/2017</a:t>
             </a:fld>
             <a:endParaRPr lang="fr-FR"/>
           </a:p>
@@ -2067,8 +2067,8 @@
         </p:nvSpPr>
         <p:spPr>
           <a:xfrm>
-            <a:off x="523886" y="377031"/>
-            <a:ext cx="3447024" cy="1604543"/>
+            <a:off x="527458" y="377032"/>
+            <a:ext cx="3470527" cy="1604543"/>
           </a:xfrm>
         </p:spPr>
         <p:txBody>
@@ -2099,8 +2099,8 @@
         </p:nvSpPr>
         <p:spPr>
           <a:xfrm>
-            <a:off x="4096413" y="377032"/>
-            <a:ext cx="5857214" cy="8081903"/>
+            <a:off x="4124343" y="377033"/>
+            <a:ext cx="5897150" cy="8081903"/>
           </a:xfrm>
         </p:spPr>
         <p:txBody>
@@ -2184,8 +2184,8 @@
         </p:nvSpPr>
         <p:spPr>
           <a:xfrm>
-            <a:off x="523886" y="1981568"/>
-            <a:ext cx="3447024" cy="6477359"/>
+            <a:off x="527458" y="1981568"/>
+            <a:ext cx="3470527" cy="6477359"/>
           </a:xfrm>
         </p:spPr>
         <p:txBody>
@@ -2254,7 +2254,7 @@
           <a:p>
             <a:fld id="{55E2B1C3-85C9-4F15-B2B7-DF895873764E}" type="datetimeFigureOut">
               <a:rPr lang="fr-FR" smtClean="0"/>
-              <a:t>27/06/2017</a:t>
+              <a:t>29/06/2017</a:t>
             </a:fld>
             <a:endParaRPr lang="fr-FR"/>
           </a:p>
@@ -2344,8 +2344,8 @@
         </p:nvSpPr>
         <p:spPr>
           <a:xfrm>
-            <a:off x="2053665" y="6628614"/>
-            <a:ext cx="6286500" cy="782545"/>
+            <a:off x="2067667" y="6628615"/>
+            <a:ext cx="6329363" cy="782545"/>
           </a:xfrm>
         </p:spPr>
         <p:txBody>
@@ -2376,8 +2376,8 @@
         </p:nvSpPr>
         <p:spPr>
           <a:xfrm>
-            <a:off x="2053665" y="846121"/>
-            <a:ext cx="6286500" cy="5681663"/>
+            <a:off x="2067667" y="846122"/>
+            <a:ext cx="6329363" cy="5681663"/>
           </a:xfrm>
         </p:spPr>
         <p:txBody>
@@ -2437,8 +2437,8 @@
         </p:nvSpPr>
         <p:spPr>
           <a:xfrm>
-            <a:off x="2053665" y="7411159"/>
-            <a:ext cx="6286500" cy="1111343"/>
+            <a:off x="2067667" y="7411160"/>
+            <a:ext cx="6329363" cy="1111343"/>
           </a:xfrm>
         </p:spPr>
         <p:txBody>
@@ -2507,7 +2507,7 @@
           <a:p>
             <a:fld id="{55E2B1C3-85C9-4F15-B2B7-DF895873764E}" type="datetimeFigureOut">
               <a:rPr lang="fr-FR" smtClean="0"/>
-              <a:t>27/06/2017</a:t>
+              <a:t>29/06/2017</a:t>
             </a:fld>
             <a:endParaRPr lang="fr-FR"/>
           </a:p>
@@ -2602,8 +2602,8 @@
         </p:nvSpPr>
         <p:spPr>
           <a:xfrm>
-            <a:off x="523877" y="379217"/>
-            <a:ext cx="9429750" cy="1578240"/>
+            <a:off x="527449" y="379217"/>
+            <a:ext cx="9494044" cy="1578240"/>
           </a:xfrm>
           <a:prstGeom prst="rect">
             <a:avLst/>
@@ -2635,8 +2635,8 @@
         </p:nvSpPr>
         <p:spPr>
           <a:xfrm>
-            <a:off x="523877" y="2209543"/>
-            <a:ext cx="9429750" cy="6249391"/>
+            <a:off x="527449" y="2209544"/>
+            <a:ext cx="9494044" cy="6249391"/>
           </a:xfrm>
           <a:prstGeom prst="rect">
             <a:avLst/>
@@ -2697,8 +2697,8 @@
         </p:nvSpPr>
         <p:spPr>
           <a:xfrm>
-            <a:off x="523877" y="8776768"/>
-            <a:ext cx="2444750" cy="504160"/>
+            <a:off x="527449" y="8776768"/>
+            <a:ext cx="2461419" cy="504160"/>
           </a:xfrm>
           <a:prstGeom prst="rect">
             <a:avLst/>
@@ -2720,7 +2720,7 @@
           <a:p>
             <a:fld id="{55E2B1C3-85C9-4F15-B2B7-DF895873764E}" type="datetimeFigureOut">
               <a:rPr lang="fr-FR" smtClean="0"/>
-              <a:t>27/06/2017</a:t>
+              <a:t>29/06/2017</a:t>
             </a:fld>
             <a:endParaRPr lang="fr-FR"/>
           </a:p>
@@ -2738,8 +2738,8 @@
         </p:nvSpPr>
         <p:spPr>
           <a:xfrm>
-            <a:off x="3579815" y="8776768"/>
-            <a:ext cx="3317874" cy="504160"/>
+            <a:off x="3604223" y="8776768"/>
+            <a:ext cx="3340496" cy="504160"/>
           </a:xfrm>
           <a:prstGeom prst="rect">
             <a:avLst/>
@@ -2775,8 +2775,8 @@
         </p:nvSpPr>
         <p:spPr>
           <a:xfrm>
-            <a:off x="7508876" y="8776768"/>
-            <a:ext cx="2444750" cy="504160"/>
+            <a:off x="7560073" y="8776768"/>
+            <a:ext cx="2461419" cy="504160"/>
           </a:xfrm>
           <a:prstGeom prst="rect">
             <a:avLst/>
@@ -3097,13 +3097,13 @@
       </p:grpSpPr>
       <p:pic>
         <p:nvPicPr>
-          <p:cNvPr id="462" name="Picture 4"/>
+          <p:cNvPr id="224" name="Picture 4"/>
           <p:cNvPicPr>
             <a:picLocks noChangeAspect="1" noChangeArrowheads="1"/>
           </p:cNvPicPr>
           <p:nvPr/>
         </p:nvPicPr>
-        <p:blipFill rotWithShape="1">
+        <p:blipFill>
           <a:blip r:embed="rId2">
             <a:extLst>
               <a:ext uri="{28A0092B-C50C-407E-A947-70E740481C1C}">
@@ -3111,13 +3111,15 @@
               </a:ext>
             </a:extLst>
           </a:blip>
-          <a:srcRect b="20659"/>
-          <a:stretch/>
+          <a:srcRect/>
+          <a:stretch>
+            <a:fillRect/>
+          </a:stretch>
         </p:blipFill>
         <p:spPr bwMode="auto">
           <a:xfrm>
-            <a:off x="-651958" y="4374679"/>
-            <a:ext cx="2614612" cy="2216808"/>
+            <a:off x="1992378" y="100800"/>
+            <a:ext cx="4553151" cy="2473200"/>
           </a:xfrm>
           <a:prstGeom prst="rect">
             <a:avLst/>
@@ -3149,7 +3151,7 @@
       </p:pic>
       <p:pic>
         <p:nvPicPr>
-          <p:cNvPr id="463" name="Picture 4"/>
+          <p:cNvPr id="225" name="Picture 6"/>
           <p:cNvPicPr>
             <a:picLocks noChangeAspect="1" noChangeArrowheads="1"/>
           </p:cNvPicPr>
@@ -3170,8 +3172,8 @@
         </p:blipFill>
         <p:spPr bwMode="auto">
           <a:xfrm>
-            <a:off x="1458168" y="100800"/>
-            <a:ext cx="4553151" cy="2473200"/>
+            <a:off x="2062683" y="2066400"/>
+            <a:ext cx="4475054" cy="7444800"/>
           </a:xfrm>
           <a:prstGeom prst="rect">
             <a:avLst/>
@@ -3203,13 +3205,13 @@
       </p:pic>
       <p:pic>
         <p:nvPicPr>
-          <p:cNvPr id="464" name="Picture 3"/>
+          <p:cNvPr id="226" name="Picture 4"/>
           <p:cNvPicPr>
             <a:picLocks noChangeAspect="1" noChangeArrowheads="1"/>
           </p:cNvPicPr>
           <p:nvPr/>
         </p:nvPicPr>
-        <p:blipFill>
+        <p:blipFill rotWithShape="1">
           <a:blip r:embed="rId4">
             <a:extLst>
               <a:ext uri="{28A0092B-C50C-407E-A947-70E740481C1C}">
@@ -3217,15 +3219,13 @@
               </a:ext>
             </a:extLst>
           </a:blip>
-          <a:srcRect/>
-          <a:stretch>
-            <a:fillRect/>
-          </a:stretch>
+          <a:srcRect r="13105" b="20659"/>
+          <a:stretch/>
         </p:blipFill>
         <p:spPr bwMode="auto">
           <a:xfrm>
-            <a:off x="1620168" y="2084400"/>
-            <a:ext cx="4292600" cy="7345362"/>
+            <a:off x="-46909" y="4374679"/>
+            <a:ext cx="2271958" cy="2216808"/>
           </a:xfrm>
           <a:prstGeom prst="rect">
             <a:avLst/>
@@ -3257,14 +3257,14 @@
       </p:pic>
       <p:sp>
         <p:nvSpPr>
-          <p:cNvPr id="465" name="Rectangle 464"/>
+          <p:cNvPr id="227" name="Rectangle 226"/>
           <p:cNvSpPr/>
           <p:nvPr/>
         </p:nvSpPr>
         <p:spPr>
           <a:xfrm>
-            <a:off x="2044800" y="6939822"/>
-            <a:ext cx="72008" cy="144016"/>
+            <a:off x="2513081" y="6966967"/>
+            <a:ext cx="108000" cy="144016"/>
           </a:xfrm>
           <a:prstGeom prst="rect">
             <a:avLst/>
@@ -3305,62 +3305,14 @@
       </p:sp>
       <p:sp>
         <p:nvSpPr>
-          <p:cNvPr id="466" name="Rectangle 465"/>
+          <p:cNvPr id="228" name="Accolade ouvrante 227"/>
           <p:cNvSpPr/>
           <p:nvPr/>
         </p:nvSpPr>
         <p:spPr>
           <a:xfrm>
-            <a:off x="1962654" y="8420868"/>
-            <a:ext cx="72008" cy="144016"/>
-          </a:xfrm>
-          <a:prstGeom prst="rect">
-            <a:avLst/>
-          </a:prstGeom>
-          <a:solidFill>
-            <a:schemeClr val="bg1"/>
-          </a:solidFill>
-          <a:ln>
-            <a:solidFill>
-              <a:schemeClr val="bg1"/>
-            </a:solidFill>
-          </a:ln>
-        </p:spPr>
-        <p:style>
-          <a:lnRef idx="2">
-            <a:schemeClr val="accent1">
-              <a:shade val="50000"/>
-            </a:schemeClr>
-          </a:lnRef>
-          <a:fillRef idx="1">
-            <a:schemeClr val="accent1"/>
-          </a:fillRef>
-          <a:effectRef idx="0">
-            <a:schemeClr val="accent1"/>
-          </a:effectRef>
-          <a:fontRef idx="minor">
-            <a:schemeClr val="lt1"/>
-          </a:fontRef>
-        </p:style>
-        <p:txBody>
-          <a:bodyPr rtlCol="0" anchor="ctr"/>
-          <a:lstStyle/>
-          <a:p>
-            <a:pPr algn="ctr"/>
-            <a:endParaRPr lang="fr-FR"/>
-          </a:p>
-        </p:txBody>
-      </p:sp>
-      <p:sp>
-        <p:nvSpPr>
-          <p:cNvPr id="467" name="Accolade ouvrante 466"/>
-          <p:cNvSpPr/>
-          <p:nvPr/>
-        </p:nvSpPr>
-        <p:spPr>
-          <a:xfrm>
-            <a:off x="6117980" y="1955773"/>
-            <a:ext cx="270661" cy="3076153"/>
+            <a:off x="6499141" y="1955773"/>
+            <a:ext cx="270661" cy="3149423"/>
           </a:xfrm>
           <a:prstGeom prst="leftBrace">
             <a:avLst/>
@@ -3391,13 +3343,13 @@
       </p:sp>
       <p:sp>
         <p:nvSpPr>
-          <p:cNvPr id="468" name="Accolade ouvrante 467"/>
+          <p:cNvPr id="229" name="Accolade ouvrante 228"/>
           <p:cNvSpPr/>
           <p:nvPr/>
         </p:nvSpPr>
         <p:spPr>
           <a:xfrm>
-            <a:off x="6142758" y="6582082"/>
+            <a:off x="6497843" y="6582082"/>
             <a:ext cx="270661" cy="2022726"/>
           </a:xfrm>
           <a:prstGeom prst="leftBrace">
@@ -3429,13 +3381,13 @@
       </p:sp>
       <p:sp>
         <p:nvSpPr>
-          <p:cNvPr id="469" name="Rectangle 468"/>
+          <p:cNvPr id="230" name="Rectangle 229"/>
           <p:cNvSpPr/>
           <p:nvPr/>
         </p:nvSpPr>
         <p:spPr>
           <a:xfrm>
-            <a:off x="7537311" y="7599162"/>
+            <a:off x="7619954" y="7599162"/>
             <a:ext cx="524503" cy="461665"/>
           </a:xfrm>
           <a:prstGeom prst="rect">
@@ -3475,13 +3427,13 @@
       </p:sp>
       <p:sp>
         <p:nvSpPr>
-          <p:cNvPr id="470" name="ZoneTexte 469"/>
+          <p:cNvPr id="231" name="ZoneTexte 230"/>
           <p:cNvSpPr txBox="1"/>
           <p:nvPr/>
         </p:nvSpPr>
         <p:spPr>
           <a:xfrm>
-            <a:off x="9647115" y="8829997"/>
+            <a:off x="9729758" y="8829997"/>
             <a:ext cx="431528" cy="400110"/>
           </a:xfrm>
           <a:prstGeom prst="rect">
@@ -3518,13 +3470,13 @@
       </p:sp>
       <p:cxnSp>
         <p:nvCxnSpPr>
-          <p:cNvPr id="471" name="Connecteur droit 470"/>
+          <p:cNvPr id="232" name="Connecteur droit 231"/>
           <p:cNvCxnSpPr/>
           <p:nvPr/>
         </p:nvCxnSpPr>
         <p:spPr>
           <a:xfrm>
-            <a:off x="6891613" y="2825919"/>
+            <a:off x="6974256" y="2825919"/>
             <a:ext cx="224208" cy="0"/>
           </a:xfrm>
           <a:prstGeom prst="line">
@@ -3554,13 +3506,13 @@
       </p:cxnSp>
       <p:cxnSp>
         <p:nvCxnSpPr>
-          <p:cNvPr id="472" name="Connecteur droit 471"/>
+          <p:cNvPr id="233" name="Connecteur droit 232"/>
           <p:cNvCxnSpPr/>
           <p:nvPr/>
         </p:nvCxnSpPr>
         <p:spPr>
           <a:xfrm>
-            <a:off x="7088382" y="8533728"/>
+            <a:off x="7171025" y="8533728"/>
             <a:ext cx="2305826" cy="0"/>
           </a:xfrm>
           <a:prstGeom prst="line">
@@ -3585,13 +3537,13 @@
       </p:cxnSp>
       <p:sp>
         <p:nvSpPr>
-          <p:cNvPr id="473" name="Rectangle 472"/>
+          <p:cNvPr id="234" name="Rectangle 233"/>
           <p:cNvSpPr/>
           <p:nvPr/>
         </p:nvSpPr>
         <p:spPr>
           <a:xfrm>
-            <a:off x="9460728" y="8339568"/>
+            <a:off x="9543371" y="8339568"/>
             <a:ext cx="583814" cy="369331"/>
           </a:xfrm>
           <a:prstGeom prst="rect">
@@ -3622,13 +3574,13 @@
       </p:sp>
       <p:cxnSp>
         <p:nvCxnSpPr>
-          <p:cNvPr id="474" name="Connecteur droit 473"/>
+          <p:cNvPr id="235" name="Connecteur droit 234"/>
           <p:cNvCxnSpPr/>
           <p:nvPr/>
         </p:nvCxnSpPr>
         <p:spPr>
           <a:xfrm>
-            <a:off x="6911110" y="3453347"/>
+            <a:off x="6993753" y="3453347"/>
             <a:ext cx="224208" cy="0"/>
           </a:xfrm>
           <a:prstGeom prst="line">
@@ -3658,13 +3610,13 @@
       </p:cxnSp>
       <p:cxnSp>
         <p:nvCxnSpPr>
-          <p:cNvPr id="475" name="Connecteur droit 474"/>
+          <p:cNvPr id="236" name="Connecteur droit 235"/>
           <p:cNvCxnSpPr/>
           <p:nvPr/>
         </p:nvCxnSpPr>
         <p:spPr>
           <a:xfrm>
-            <a:off x="6895201" y="4262079"/>
+            <a:off x="6977844" y="4262079"/>
             <a:ext cx="212904" cy="0"/>
           </a:xfrm>
           <a:prstGeom prst="line">
@@ -3689,13 +3641,13 @@
       </p:cxnSp>
       <p:cxnSp>
         <p:nvCxnSpPr>
-          <p:cNvPr id="476" name="Connecteur droit 475"/>
+          <p:cNvPr id="237" name="Connecteur droit 236"/>
           <p:cNvCxnSpPr/>
           <p:nvPr/>
         </p:nvCxnSpPr>
         <p:spPr>
           <a:xfrm>
-            <a:off x="6890086" y="2620754"/>
+            <a:off x="6972729" y="2620754"/>
             <a:ext cx="212904" cy="0"/>
           </a:xfrm>
           <a:prstGeom prst="line">
@@ -3720,13 +3672,13 @@
       </p:cxnSp>
       <p:cxnSp>
         <p:nvCxnSpPr>
-          <p:cNvPr id="477" name="Connecteur droit 476"/>
+          <p:cNvPr id="238" name="Connecteur droit 237"/>
           <p:cNvCxnSpPr/>
           <p:nvPr/>
         </p:nvCxnSpPr>
         <p:spPr>
           <a:xfrm>
-            <a:off x="6914079" y="1984091"/>
+            <a:off x="6996722" y="1984091"/>
             <a:ext cx="212904" cy="0"/>
           </a:xfrm>
           <a:prstGeom prst="line">
@@ -3751,13 +3703,13 @@
       </p:cxnSp>
       <p:grpSp>
         <p:nvGrpSpPr>
-          <p:cNvPr id="478" name="Groupe 477"/>
+          <p:cNvPr id="239" name="Groupe 238"/>
           <p:cNvGrpSpPr/>
           <p:nvPr/>
         </p:nvGrpSpPr>
         <p:grpSpPr>
           <a:xfrm>
-            <a:off x="6886001" y="5698239"/>
+            <a:off x="6968644" y="5698239"/>
             <a:ext cx="3234861" cy="1804831"/>
             <a:chOff x="1018466" y="4468501"/>
             <a:chExt cx="2270725" cy="1266901"/>
@@ -3765,7 +3717,7 @@
         </p:grpSpPr>
         <p:sp>
           <p:nvSpPr>
-            <p:cNvPr id="479" name="Rectangle 478"/>
+            <p:cNvPr id="240" name="Rectangle 239"/>
             <p:cNvSpPr/>
             <p:nvPr/>
           </p:nvSpPr>
@@ -3802,7 +3754,7 @@
         </p:sp>
         <p:cxnSp>
           <p:nvCxnSpPr>
-            <p:cNvPr id="480" name="Connecteur droit 479"/>
+            <p:cNvPr id="241" name="Connecteur droit 240"/>
             <p:cNvCxnSpPr/>
             <p:nvPr/>
           </p:nvCxnSpPr>
@@ -3833,7 +3785,7 @@
         </p:cxnSp>
         <p:cxnSp>
           <p:nvCxnSpPr>
-            <p:cNvPr id="481" name="Connecteur droit 480"/>
+            <p:cNvPr id="242" name="Connecteur droit 241"/>
             <p:cNvCxnSpPr/>
             <p:nvPr/>
           </p:nvCxnSpPr>
@@ -3864,7 +3816,7 @@
         </p:cxnSp>
         <p:sp>
           <p:nvSpPr>
-            <p:cNvPr id="482" name="Rectangle 481"/>
+            <p:cNvPr id="243" name="Rectangle 242"/>
             <p:cNvSpPr/>
             <p:nvPr/>
           </p:nvSpPr>
@@ -3901,7 +3853,7 @@
         </p:sp>
         <p:cxnSp>
           <p:nvCxnSpPr>
-            <p:cNvPr id="483" name="Connecteur droit 482"/>
+            <p:cNvPr id="244" name="Connecteur droit 243"/>
             <p:cNvCxnSpPr/>
             <p:nvPr/>
           </p:nvCxnSpPr>
@@ -3933,13 +3885,13 @@
       </p:grpSp>
       <p:cxnSp>
         <p:nvCxnSpPr>
-          <p:cNvPr id="484" name="Connecteur droit 483"/>
+          <p:cNvPr id="245" name="Connecteur droit 244"/>
           <p:cNvCxnSpPr/>
           <p:nvPr/>
         </p:nvCxnSpPr>
         <p:spPr>
           <a:xfrm>
-            <a:off x="6881183" y="8534023"/>
+            <a:off x="6963826" y="8534023"/>
             <a:ext cx="212904" cy="0"/>
           </a:xfrm>
           <a:prstGeom prst="line">
@@ -3964,13 +3916,13 @@
       </p:cxnSp>
       <p:grpSp>
         <p:nvGrpSpPr>
-          <p:cNvPr id="485" name="Groupe 484"/>
+          <p:cNvPr id="246" name="Groupe 245"/>
           <p:cNvGrpSpPr/>
           <p:nvPr/>
         </p:nvGrpSpPr>
         <p:grpSpPr>
           <a:xfrm>
-            <a:off x="7102990" y="1868140"/>
+            <a:off x="7185633" y="1868140"/>
             <a:ext cx="3371775" cy="1384280"/>
             <a:chOff x="1095683" y="866304"/>
             <a:chExt cx="2366832" cy="971695"/>
@@ -3978,7 +3930,7 @@
         </p:grpSpPr>
         <p:cxnSp>
           <p:nvCxnSpPr>
-            <p:cNvPr id="486" name="Connecteur droit 485"/>
+            <p:cNvPr id="247" name="Connecteur droit 246"/>
             <p:cNvCxnSpPr/>
             <p:nvPr/>
           </p:nvCxnSpPr>
@@ -4013,7 +3965,7 @@
         </p:cxnSp>
         <p:cxnSp>
           <p:nvCxnSpPr>
-            <p:cNvPr id="487" name="Connecteur droit 486"/>
+            <p:cNvPr id="248" name="Connecteur droit 247"/>
             <p:cNvCxnSpPr/>
             <p:nvPr/>
           </p:nvCxnSpPr>
@@ -4049,7 +4001,7 @@
         </p:cxnSp>
         <p:sp>
           <p:nvSpPr>
-            <p:cNvPr id="488" name="Rectangle 487"/>
+            <p:cNvPr id="249" name="Rectangle 248"/>
             <p:cNvSpPr/>
             <p:nvPr/>
           </p:nvSpPr>
@@ -4102,7 +4054,7 @@
         </p:sp>
         <p:sp>
           <p:nvSpPr>
-            <p:cNvPr id="489" name="Rectangle 488"/>
+            <p:cNvPr id="250" name="Rectangle 249"/>
             <p:cNvSpPr/>
             <p:nvPr/>
           </p:nvSpPr>
@@ -4156,13 +4108,13 @@
       </p:grpSp>
       <p:cxnSp>
         <p:nvCxnSpPr>
-          <p:cNvPr id="490" name="Connecteur droit 489"/>
+          <p:cNvPr id="251" name="Connecteur droit 250"/>
           <p:cNvCxnSpPr/>
           <p:nvPr/>
         </p:nvCxnSpPr>
         <p:spPr>
           <a:xfrm>
-            <a:off x="7119410" y="5082742"/>
+            <a:off x="7202053" y="5082742"/>
             <a:ext cx="2302224" cy="294431"/>
           </a:xfrm>
           <a:prstGeom prst="line">
@@ -4192,13 +4144,13 @@
       </p:cxnSp>
       <p:cxnSp>
         <p:nvCxnSpPr>
-          <p:cNvPr id="491" name="Connecteur droit 490"/>
+          <p:cNvPr id="252" name="Connecteur droit 251"/>
           <p:cNvCxnSpPr/>
           <p:nvPr/>
         </p:nvCxnSpPr>
         <p:spPr>
           <a:xfrm flipV="1">
-            <a:off x="7142572" y="4823156"/>
+            <a:off x="7225215" y="4823156"/>
             <a:ext cx="2251635" cy="259586"/>
           </a:xfrm>
           <a:prstGeom prst="line">
@@ -4228,13 +4180,13 @@
       </p:cxnSp>
       <p:cxnSp>
         <p:nvCxnSpPr>
-          <p:cNvPr id="492" name="Connecteur droit 491"/>
+          <p:cNvPr id="253" name="Connecteur droit 252"/>
           <p:cNvCxnSpPr/>
           <p:nvPr/>
         </p:nvCxnSpPr>
         <p:spPr>
           <a:xfrm>
-            <a:off x="6895201" y="5082742"/>
+            <a:off x="6977844" y="5082742"/>
             <a:ext cx="224208" cy="0"/>
           </a:xfrm>
           <a:prstGeom prst="line">
@@ -4264,13 +4216,13 @@
       </p:cxnSp>
       <p:sp>
         <p:nvSpPr>
-          <p:cNvPr id="493" name="Rectangle 492"/>
+          <p:cNvPr id="254" name="Rectangle 253"/>
           <p:cNvSpPr/>
           <p:nvPr/>
         </p:nvSpPr>
         <p:spPr>
           <a:xfrm>
-            <a:off x="9358143" y="3621473"/>
+            <a:off x="9440786" y="3621473"/>
             <a:ext cx="1047082" cy="369331"/>
           </a:xfrm>
           <a:prstGeom prst="rect">
@@ -4317,13 +4269,13 @@
       </p:sp>
       <p:grpSp>
         <p:nvGrpSpPr>
-          <p:cNvPr id="494" name="Groupe 493"/>
+          <p:cNvPr id="255" name="Groupe 254"/>
           <p:cNvGrpSpPr/>
           <p:nvPr/>
         </p:nvGrpSpPr>
         <p:grpSpPr>
           <a:xfrm>
-            <a:off x="7113281" y="392966"/>
+            <a:off x="7195924" y="392966"/>
             <a:ext cx="3443426" cy="3299531"/>
             <a:chOff x="1082348" y="695014"/>
             <a:chExt cx="2417128" cy="2316105"/>
@@ -4331,7 +4283,7 @@
         </p:grpSpPr>
         <p:cxnSp>
           <p:nvCxnSpPr>
-            <p:cNvPr id="495" name="Connecteur droit 494"/>
+            <p:cNvPr id="256" name="Connecteur droit 255"/>
             <p:cNvCxnSpPr/>
             <p:nvPr/>
           </p:nvCxnSpPr>
@@ -4367,7 +4319,7 @@
         </p:cxnSp>
         <p:cxnSp>
           <p:nvCxnSpPr>
-            <p:cNvPr id="496" name="Connecteur droit 495"/>
+            <p:cNvPr id="257" name="Connecteur droit 256"/>
             <p:cNvCxnSpPr/>
             <p:nvPr/>
           </p:nvCxnSpPr>
@@ -4403,7 +4355,7 @@
         </p:cxnSp>
         <p:sp>
           <p:nvSpPr>
-            <p:cNvPr id="497" name="Rectangle 496"/>
+            <p:cNvPr id="258" name="Rectangle 257"/>
             <p:cNvSpPr/>
             <p:nvPr/>
           </p:nvSpPr>
@@ -4464,7 +4416,7 @@
         </p:sp>
         <p:sp>
           <p:nvSpPr>
-            <p:cNvPr id="498" name="Rectangle 497"/>
+            <p:cNvPr id="259" name="Rectangle 258"/>
             <p:cNvSpPr/>
             <p:nvPr/>
           </p:nvSpPr>
@@ -4518,13 +4470,13 @@
       </p:grpSp>
       <p:sp>
         <p:nvSpPr>
-          <p:cNvPr id="499" name="Rectangle 498"/>
+          <p:cNvPr id="260" name="Rectangle 259"/>
           <p:cNvSpPr/>
           <p:nvPr/>
         </p:nvSpPr>
         <p:spPr>
           <a:xfrm>
-            <a:off x="9361649" y="4388420"/>
+            <a:off x="9444292" y="4388420"/>
             <a:ext cx="1002198" cy="369331"/>
           </a:xfrm>
           <a:prstGeom prst="rect">
@@ -4571,13 +4523,13 @@
       </p:sp>
       <p:cxnSp>
         <p:nvCxnSpPr>
-          <p:cNvPr id="500" name="Connecteur droit 499"/>
+          <p:cNvPr id="261" name="Connecteur droit 260"/>
           <p:cNvCxnSpPr/>
           <p:nvPr/>
         </p:nvCxnSpPr>
         <p:spPr>
           <a:xfrm>
-            <a:off x="7098294" y="4262079"/>
+            <a:off x="7180937" y="4262079"/>
             <a:ext cx="2334623" cy="438809"/>
           </a:xfrm>
           <a:prstGeom prst="line">
@@ -4607,13 +4559,13 @@
       </p:cxnSp>
       <p:cxnSp>
         <p:nvCxnSpPr>
-          <p:cNvPr id="501" name="Connecteur droit 500"/>
+          <p:cNvPr id="262" name="Connecteur droit 261"/>
           <p:cNvCxnSpPr/>
           <p:nvPr/>
         </p:nvCxnSpPr>
         <p:spPr>
           <a:xfrm flipV="1">
-            <a:off x="7106956" y="3828156"/>
+            <a:off x="7189599" y="3828156"/>
             <a:ext cx="2353773" cy="433923"/>
           </a:xfrm>
           <a:prstGeom prst="line">
@@ -4643,13 +4595,13 @@
       </p:cxnSp>
       <p:sp>
         <p:nvSpPr>
-          <p:cNvPr id="502" name="Ellipse 501"/>
+          <p:cNvPr id="263" name="Ellipse 262"/>
           <p:cNvSpPr/>
           <p:nvPr/>
         </p:nvSpPr>
         <p:spPr>
           <a:xfrm>
-            <a:off x="8283121" y="2711260"/>
+            <a:off x="8365764" y="2711260"/>
             <a:ext cx="358887" cy="341536"/>
           </a:xfrm>
           <a:prstGeom prst="ellipse">
@@ -4694,13 +4646,13 @@
       </p:sp>
       <p:sp>
         <p:nvSpPr>
-          <p:cNvPr id="503" name="Ellipse 502"/>
+          <p:cNvPr id="264" name="Ellipse 263"/>
           <p:cNvSpPr/>
           <p:nvPr/>
         </p:nvSpPr>
         <p:spPr>
           <a:xfrm>
-            <a:off x="7636201" y="2300188"/>
+            <a:off x="7913681" y="2232943"/>
             <a:ext cx="358887" cy="341536"/>
           </a:xfrm>
           <a:prstGeom prst="ellipse">
@@ -4745,13 +4697,13 @@
       </p:sp>
       <p:sp>
         <p:nvSpPr>
-          <p:cNvPr id="504" name="Ellipse 503"/>
+          <p:cNvPr id="265" name="Ellipse 264"/>
           <p:cNvSpPr/>
           <p:nvPr/>
         </p:nvSpPr>
         <p:spPr>
           <a:xfrm>
-            <a:off x="6945837" y="4105018"/>
+            <a:off x="7028480" y="4105018"/>
             <a:ext cx="358887" cy="341536"/>
           </a:xfrm>
           <a:prstGeom prst="ellipse">
@@ -4796,13 +4748,13 @@
       </p:sp>
       <p:sp>
         <p:nvSpPr>
-          <p:cNvPr id="505" name="Ellipse 504"/>
+          <p:cNvPr id="266" name="Ellipse 265"/>
           <p:cNvSpPr/>
           <p:nvPr/>
         </p:nvSpPr>
         <p:spPr>
           <a:xfrm>
-            <a:off x="8819739" y="3744881"/>
+            <a:off x="8902382" y="3744881"/>
             <a:ext cx="358887" cy="341536"/>
           </a:xfrm>
           <a:prstGeom prst="ellipse">
@@ -4847,13 +4799,13 @@
       </p:sp>
       <p:grpSp>
         <p:nvGrpSpPr>
-          <p:cNvPr id="506" name="Groupe 505"/>
+          <p:cNvPr id="267" name="Groupe 266"/>
           <p:cNvGrpSpPr/>
           <p:nvPr/>
         </p:nvGrpSpPr>
         <p:grpSpPr>
           <a:xfrm>
-            <a:off x="7096711" y="2620754"/>
+            <a:off x="7179354" y="2620754"/>
             <a:ext cx="3378051" cy="1629749"/>
             <a:chOff x="1082348" y="1392536"/>
             <a:chExt cx="2371238" cy="1144002"/>
@@ -4861,7 +4813,7 @@
         </p:grpSpPr>
         <p:cxnSp>
           <p:nvCxnSpPr>
-            <p:cNvPr id="507" name="Connecteur droit 506"/>
+            <p:cNvPr id="268" name="Connecteur droit 267"/>
             <p:cNvCxnSpPr/>
             <p:nvPr/>
           </p:nvCxnSpPr>
@@ -4897,7 +4849,7 @@
         </p:cxnSp>
         <p:cxnSp>
           <p:nvCxnSpPr>
-            <p:cNvPr id="508" name="Connecteur droit 507"/>
+            <p:cNvPr id="269" name="Connecteur droit 268"/>
             <p:cNvCxnSpPr/>
             <p:nvPr/>
           </p:nvCxnSpPr>
@@ -4933,7 +4885,7 @@
         </p:cxnSp>
         <p:sp>
           <p:nvSpPr>
-            <p:cNvPr id="509" name="Rectangle 508"/>
+            <p:cNvPr id="270" name="Rectangle 269"/>
             <p:cNvSpPr/>
             <p:nvPr/>
           </p:nvSpPr>
@@ -4986,7 +4938,7 @@
         </p:sp>
         <p:sp>
           <p:nvSpPr>
-            <p:cNvPr id="510" name="Rectangle 509"/>
+            <p:cNvPr id="271" name="Rectangle 270"/>
             <p:cNvSpPr/>
             <p:nvPr/>
           </p:nvSpPr>
@@ -5040,13 +4992,13 @@
       </p:grpSp>
       <p:cxnSp>
         <p:nvCxnSpPr>
-          <p:cNvPr id="511" name="Connecteur droit 510"/>
+          <p:cNvPr id="272" name="Connecteur droit 271"/>
           <p:cNvCxnSpPr/>
           <p:nvPr/>
         </p:nvCxnSpPr>
         <p:spPr>
           <a:xfrm flipV="1">
-            <a:off x="7113012" y="1794618"/>
+            <a:off x="7195655" y="1794618"/>
             <a:ext cx="2235037" cy="1031303"/>
           </a:xfrm>
           <a:prstGeom prst="line">
@@ -5076,13 +5028,13 @@
       </p:cxnSp>
       <p:cxnSp>
         <p:nvCxnSpPr>
-          <p:cNvPr id="512" name="Connecteur droit 511"/>
+          <p:cNvPr id="273" name="Connecteur droit 272"/>
           <p:cNvCxnSpPr/>
           <p:nvPr/>
         </p:nvCxnSpPr>
         <p:spPr>
           <a:xfrm>
-            <a:off x="7132792" y="2811803"/>
+            <a:off x="7215435" y="2811803"/>
             <a:ext cx="2261415" cy="1016353"/>
           </a:xfrm>
           <a:prstGeom prst="line">
@@ -5112,13 +5064,13 @@
       </p:cxnSp>
       <p:sp>
         <p:nvSpPr>
-          <p:cNvPr id="513" name="Rectangle 512"/>
+          <p:cNvPr id="274" name="Rectangle 273"/>
           <p:cNvSpPr/>
           <p:nvPr/>
         </p:nvSpPr>
         <p:spPr>
           <a:xfrm>
-            <a:off x="9362198" y="1570817"/>
+            <a:off x="9444841" y="1570817"/>
             <a:ext cx="1162499" cy="369331"/>
           </a:xfrm>
           <a:prstGeom prst="rect">
@@ -5165,13 +5117,13 @@
       </p:sp>
       <p:sp>
         <p:nvSpPr>
-          <p:cNvPr id="514" name="Rectangle 513"/>
+          <p:cNvPr id="275" name="Rectangle 274"/>
           <p:cNvSpPr/>
           <p:nvPr/>
         </p:nvSpPr>
         <p:spPr>
           <a:xfrm>
-            <a:off x="9365175" y="4689315"/>
+            <a:off x="9447818" y="4689315"/>
             <a:ext cx="1047082" cy="369331"/>
           </a:xfrm>
           <a:prstGeom prst="rect">
@@ -5218,13 +5170,13 @@
       </p:sp>
       <p:cxnSp>
         <p:nvCxnSpPr>
-          <p:cNvPr id="515" name="Connecteur droit avec flèche 514"/>
+          <p:cNvPr id="276" name="Connecteur droit avec flèche 275"/>
           <p:cNvCxnSpPr/>
           <p:nvPr/>
         </p:nvCxnSpPr>
         <p:spPr>
           <a:xfrm flipH="1">
-            <a:off x="8152804" y="4121416"/>
+            <a:off x="8235447" y="4121416"/>
             <a:ext cx="9109" cy="4340478"/>
           </a:xfrm>
           <a:prstGeom prst="straightConnector1">
@@ -5254,13 +5206,13 @@
       </p:cxnSp>
       <p:cxnSp>
         <p:nvCxnSpPr>
-          <p:cNvPr id="516" name="Connecteur droit avec flèche 515"/>
+          <p:cNvPr id="277" name="Connecteur droit avec flèche 276"/>
           <p:cNvCxnSpPr/>
           <p:nvPr/>
         </p:nvCxnSpPr>
         <p:spPr>
           <a:xfrm flipH="1">
-            <a:off x="8322948" y="4524354"/>
+            <a:off x="8405591" y="4524354"/>
             <a:ext cx="1" cy="3937541"/>
           </a:xfrm>
           <a:prstGeom prst="straightConnector1">
@@ -5290,13 +5242,13 @@
       </p:cxnSp>
       <p:sp>
         <p:nvSpPr>
-          <p:cNvPr id="517" name="Rectangle 516"/>
+          <p:cNvPr id="278" name="Rectangle 277"/>
           <p:cNvSpPr/>
           <p:nvPr/>
         </p:nvSpPr>
         <p:spPr>
           <a:xfrm>
-            <a:off x="8346260" y="7627342"/>
+            <a:off x="8428903" y="7627342"/>
             <a:ext cx="465193" cy="461665"/>
           </a:xfrm>
           <a:prstGeom prst="rect">
@@ -5339,13 +5291,13 @@
       </p:sp>
       <p:sp>
         <p:nvSpPr>
-          <p:cNvPr id="518" name="ZoneTexte 517"/>
+          <p:cNvPr id="279" name="ZoneTexte 278"/>
           <p:cNvSpPr txBox="1"/>
           <p:nvPr/>
         </p:nvSpPr>
         <p:spPr>
           <a:xfrm>
-            <a:off x="6630566" y="3803065"/>
+            <a:off x="6664945" y="4319984"/>
             <a:ext cx="644442" cy="369331"/>
           </a:xfrm>
           <a:prstGeom prst="rect">
@@ -5381,13 +5333,13 @@
       </p:sp>
       <p:sp>
         <p:nvSpPr>
-          <p:cNvPr id="519" name="ZoneTexte 518"/>
+          <p:cNvPr id="280" name="ZoneTexte 279"/>
           <p:cNvSpPr txBox="1"/>
           <p:nvPr/>
         </p:nvSpPr>
         <p:spPr>
           <a:xfrm>
-            <a:off x="8413327" y="2372196"/>
+            <a:off x="8495970" y="2372196"/>
             <a:ext cx="627095" cy="369331"/>
           </a:xfrm>
           <a:prstGeom prst="rect">
@@ -5423,13 +5375,13 @@
       </p:sp>
       <p:sp>
         <p:nvSpPr>
-          <p:cNvPr id="520" name="ZoneTexte 519"/>
+          <p:cNvPr id="281" name="ZoneTexte 280"/>
           <p:cNvSpPr txBox="1"/>
           <p:nvPr/>
         </p:nvSpPr>
         <p:spPr>
           <a:xfrm>
-            <a:off x="7420926" y="1940148"/>
+            <a:off x="7603727" y="1940148"/>
             <a:ext cx="453970" cy="369331"/>
           </a:xfrm>
           <a:prstGeom prst="rect">
@@ -5465,13 +5417,13 @@
       </p:sp>
       <p:sp>
         <p:nvSpPr>
-          <p:cNvPr id="521" name="ZoneTexte 520"/>
+          <p:cNvPr id="282" name="ZoneTexte 281"/>
           <p:cNvSpPr txBox="1"/>
           <p:nvPr/>
         </p:nvSpPr>
         <p:spPr>
           <a:xfrm>
-            <a:off x="8684662" y="4001365"/>
+            <a:off x="8767305" y="4001365"/>
             <a:ext cx="453970" cy="369331"/>
           </a:xfrm>
           <a:prstGeom prst="rect">
@@ -5507,13 +5459,13 @@
       </p:sp>
       <p:sp>
         <p:nvSpPr>
-          <p:cNvPr id="522" name="ZoneTexte 521"/>
+          <p:cNvPr id="283" name="ZoneTexte 282"/>
           <p:cNvSpPr txBox="1"/>
           <p:nvPr/>
         </p:nvSpPr>
         <p:spPr>
           <a:xfrm>
-            <a:off x="6872365" y="8841154"/>
+            <a:off x="6955008" y="8841154"/>
             <a:ext cx="312906" cy="400110"/>
           </a:xfrm>
           <a:prstGeom prst="rect">
@@ -5543,7 +5495,7 @@
       </p:sp>
       <p:sp>
         <p:nvSpPr>
-          <p:cNvPr id="523" name="Line 10"/>
+          <p:cNvPr id="284" name="Line 10"/>
           <p:cNvSpPr>
             <a:spLocks noChangeShapeType="1"/>
           </p:cNvSpPr>
@@ -5551,7 +5503,7 @@
         </p:nvSpPr>
         <p:spPr bwMode="auto">
           <a:xfrm flipV="1">
-            <a:off x="7072563" y="6005773"/>
+            <a:off x="7155206" y="6005773"/>
             <a:ext cx="15819" cy="2895436"/>
           </a:xfrm>
           <a:prstGeom prst="line">
@@ -5594,7 +5546,7 @@
       </p:sp>
       <p:sp>
         <p:nvSpPr>
-          <p:cNvPr id="524" name="Forme libre 11"/>
+          <p:cNvPr id="285" name="Forme libre 11"/>
           <p:cNvSpPr>
             <a:spLocks/>
           </p:cNvSpPr>
@@ -5602,7 +5554,7 @@
         </p:nvSpPr>
         <p:spPr bwMode="auto">
           <a:xfrm>
-            <a:off x="6967377" y="5972764"/>
+            <a:off x="7050020" y="5972764"/>
             <a:ext cx="229462" cy="159964"/>
           </a:xfrm>
           <a:custGeom>
@@ -5690,7 +5642,7 @@
       </p:sp>
       <p:sp>
         <p:nvSpPr>
-          <p:cNvPr id="525" name="Line 10"/>
+          <p:cNvPr id="286" name="Line 10"/>
           <p:cNvSpPr>
             <a:spLocks noChangeShapeType="1"/>
           </p:cNvSpPr>
@@ -5698,7 +5650,7 @@
         </p:nvSpPr>
         <p:spPr bwMode="auto">
           <a:xfrm flipV="1">
-            <a:off x="7099734" y="392966"/>
+            <a:off x="7182377" y="392966"/>
             <a:ext cx="46126" cy="5536021"/>
           </a:xfrm>
           <a:prstGeom prst="line">
@@ -5741,7 +5693,7 @@
       </p:sp>
       <p:sp>
         <p:nvSpPr>
-          <p:cNvPr id="526" name="Forme libre 11"/>
+          <p:cNvPr id="287" name="Forme libre 11"/>
           <p:cNvSpPr>
             <a:spLocks/>
           </p:cNvSpPr>
@@ -5749,7 +5701,7 @@
         </p:nvSpPr>
         <p:spPr bwMode="auto">
           <a:xfrm>
-            <a:off x="6967377" y="5839113"/>
+            <a:off x="7050020" y="5839113"/>
             <a:ext cx="229462" cy="159964"/>
           </a:xfrm>
           <a:custGeom>
@@ -5837,13 +5789,13 @@
       </p:sp>
       <p:sp>
         <p:nvSpPr>
-          <p:cNvPr id="527" name="Rectangle 526"/>
+          <p:cNvPr id="288" name="Rectangle 287"/>
           <p:cNvSpPr/>
           <p:nvPr/>
         </p:nvSpPr>
         <p:spPr>
           <a:xfrm>
-            <a:off x="7164032" y="283964"/>
+            <a:off x="7246675" y="283964"/>
             <a:ext cx="341760" cy="400110"/>
           </a:xfrm>
           <a:prstGeom prst="rect">
@@ -5872,13 +5824,13 @@
       </p:sp>
       <p:cxnSp>
         <p:nvCxnSpPr>
-          <p:cNvPr id="528" name="Connecteur droit avec flèche 527"/>
+          <p:cNvPr id="289" name="Connecteur droit avec flèche 288"/>
           <p:cNvCxnSpPr/>
           <p:nvPr/>
         </p:nvCxnSpPr>
         <p:spPr>
           <a:xfrm flipH="1">
-            <a:off x="6939191" y="6623208"/>
+            <a:off x="7021834" y="6623208"/>
             <a:ext cx="29159" cy="1906104"/>
           </a:xfrm>
           <a:prstGeom prst="straightConnector1">
@@ -5906,21 +5858,19 @@
       </p:cxnSp>
       <p:sp>
         <p:nvSpPr>
-          <p:cNvPr id="531" name="Rectangle 530"/>
+          <p:cNvPr id="290" name="Rectangle 289"/>
           <p:cNvSpPr/>
           <p:nvPr/>
         </p:nvSpPr>
         <p:spPr>
           <a:xfrm>
-            <a:off x="6413419" y="7426040"/>
+            <a:off x="6616643" y="7426040"/>
             <a:ext cx="455574" cy="400110"/>
           </a:xfrm>
           <a:prstGeom prst="rect">
             <a:avLst/>
           </a:prstGeom>
-          <a:solidFill>
-            <a:schemeClr val="bg1"/>
-          </a:solidFill>
+          <a:noFill/>
         </p:spPr>
         <p:txBody>
           <a:bodyPr wrap="none">
@@ -5951,7 +5901,7 @@
       </p:sp>
       <p:sp>
         <p:nvSpPr>
-          <p:cNvPr id="600" name="Line 10"/>
+          <p:cNvPr id="291" name="Line 10"/>
           <p:cNvSpPr>
             <a:spLocks noChangeShapeType="1"/>
           </p:cNvSpPr>
@@ -5959,7 +5909,7 @@
         </p:nvSpPr>
         <p:spPr bwMode="auto">
           <a:xfrm flipV="1">
-            <a:off x="6966985" y="8841154"/>
+            <a:off x="7049628" y="8841154"/>
             <a:ext cx="2873306" cy="0"/>
           </a:xfrm>
           <a:prstGeom prst="line">
@@ -6002,7 +5952,7 @@
       </p:sp>
       <p:sp>
         <p:nvSpPr>
-          <p:cNvPr id="604" name="Rectangle 13"/>
+          <p:cNvPr id="292" name="Rectangle 13"/>
           <p:cNvSpPr>
             <a:spLocks noChangeArrowheads="1"/>
           </p:cNvSpPr>
@@ -6010,8 +5960,8 @@
         </p:nvSpPr>
         <p:spPr bwMode="auto">
           <a:xfrm rot="16200000">
-            <a:off x="5214465" y="3356508"/>
-            <a:ext cx="1399074" cy="363363"/>
+            <a:off x="5658234" y="3343368"/>
+            <a:ext cx="1411227" cy="363363"/>
           </a:xfrm>
           <a:prstGeom prst="rect">
             <a:avLst/>
@@ -6051,7 +6001,7 @@
           </a:extLst>
         </p:spPr>
         <p:txBody>
-          <a:bodyPr lIns="85527" tIns="42764" rIns="85527" bIns="42764">
+          <a:bodyPr wrap="square" lIns="85527" tIns="42764" rIns="85527" bIns="42764">
             <a:spAutoFit/>
           </a:bodyPr>
           <a:lstStyle/>
@@ -6085,7 +6035,7 @@
       </p:sp>
       <p:sp>
         <p:nvSpPr>
-          <p:cNvPr id="612" name="Rectangle 73"/>
+          <p:cNvPr id="293" name="Rectangle 73"/>
           <p:cNvSpPr>
             <a:spLocks noChangeArrowheads="1"/>
           </p:cNvSpPr>
@@ -6093,7 +6043,7 @@
         </p:nvSpPr>
         <p:spPr bwMode="auto">
           <a:xfrm rot="16200000">
-            <a:off x="5206272" y="7447088"/>
+            <a:off x="5659043" y="7447088"/>
             <a:ext cx="1399074" cy="363363"/>
           </a:xfrm>
           <a:prstGeom prst="rect">
@@ -6162,13 +6112,13 @@
       </p:sp>
       <p:sp>
         <p:nvSpPr>
-          <p:cNvPr id="613" name="Ellipse 612"/>
+          <p:cNvPr id="294" name="Ellipse 293"/>
           <p:cNvSpPr/>
           <p:nvPr/>
         </p:nvSpPr>
         <p:spPr>
           <a:xfrm>
-            <a:off x="9127486" y="4577686"/>
+            <a:off x="9210129" y="4577686"/>
             <a:ext cx="358887" cy="341536"/>
           </a:xfrm>
           <a:prstGeom prst="ellipse">
@@ -6213,13 +6163,13 @@
       </p:sp>
       <p:sp>
         <p:nvSpPr>
-          <p:cNvPr id="615" name="ZoneTexte 614"/>
+          <p:cNvPr id="295" name="ZoneTexte 294"/>
           <p:cNvSpPr txBox="1"/>
           <p:nvPr/>
         </p:nvSpPr>
         <p:spPr>
           <a:xfrm>
-            <a:off x="8875817" y="4841589"/>
+            <a:off x="8958460" y="4841589"/>
             <a:ext cx="453970" cy="369331"/>
           </a:xfrm>
           <a:prstGeom prst="rect">
@@ -6255,13 +6205,13 @@
       </p:sp>
       <p:sp>
         <p:nvSpPr>
-          <p:cNvPr id="616" name="Ellipse 615"/>
+          <p:cNvPr id="296" name="Ellipse 295"/>
           <p:cNvSpPr/>
           <p:nvPr/>
         </p:nvSpPr>
         <p:spPr>
           <a:xfrm>
-            <a:off x="3636466" y="5250409"/>
+            <a:off x="4169265" y="5250409"/>
             <a:ext cx="432048" cy="492422"/>
           </a:xfrm>
           <a:prstGeom prst="ellipse">
@@ -6306,13 +6256,13 @@
       </p:sp>
       <p:sp>
         <p:nvSpPr>
-          <p:cNvPr id="617" name="ZoneTexte 616"/>
+          <p:cNvPr id="297" name="ZoneTexte 296"/>
           <p:cNvSpPr txBox="1"/>
           <p:nvPr/>
         </p:nvSpPr>
         <p:spPr>
           <a:xfrm>
-            <a:off x="4284538" y="5105196"/>
+            <a:off x="4673321" y="5105196"/>
             <a:ext cx="644442" cy="369331"/>
           </a:xfrm>
           <a:prstGeom prst="rect">
@@ -6348,13 +6298,13 @@
       </p:sp>
       <p:sp>
         <p:nvSpPr>
-          <p:cNvPr id="618" name="Ellipse 617"/>
+          <p:cNvPr id="298" name="Ellipse 297"/>
           <p:cNvSpPr/>
           <p:nvPr/>
         </p:nvSpPr>
         <p:spPr>
           <a:xfrm>
-            <a:off x="3688006" y="3273370"/>
+            <a:off x="4241273" y="3273370"/>
             <a:ext cx="432048" cy="492422"/>
           </a:xfrm>
           <a:prstGeom prst="ellipse">
@@ -6399,13 +6349,13 @@
       </p:sp>
       <p:sp>
         <p:nvSpPr>
-          <p:cNvPr id="619" name="ZoneTexte 618"/>
+          <p:cNvPr id="299" name="ZoneTexte 298"/>
           <p:cNvSpPr txBox="1"/>
           <p:nvPr/>
         </p:nvSpPr>
         <p:spPr>
           <a:xfrm>
-            <a:off x="4140522" y="3301240"/>
+            <a:off x="4676951" y="3301240"/>
             <a:ext cx="644442" cy="369331"/>
           </a:xfrm>
           <a:prstGeom prst="rect">
@@ -6441,13 +6391,13 @@
       </p:sp>
       <p:sp>
         <p:nvSpPr>
-          <p:cNvPr id="620" name="Ellipse 619"/>
+          <p:cNvPr id="300" name="Ellipse 299"/>
           <p:cNvSpPr/>
           <p:nvPr/>
         </p:nvSpPr>
         <p:spPr>
           <a:xfrm>
-            <a:off x="3649360" y="7083838"/>
+            <a:off x="4169265" y="7083838"/>
             <a:ext cx="432048" cy="492422"/>
           </a:xfrm>
           <a:prstGeom prst="ellipse">
@@ -6492,13 +6442,13 @@
       </p:sp>
       <p:sp>
         <p:nvSpPr>
-          <p:cNvPr id="621" name="Ellipse 620"/>
+          <p:cNvPr id="301" name="Ellipse 300"/>
           <p:cNvSpPr/>
           <p:nvPr/>
         </p:nvSpPr>
         <p:spPr>
           <a:xfrm>
-            <a:off x="3924498" y="6678935"/>
+            <a:off x="4457297" y="6678935"/>
             <a:ext cx="432048" cy="492422"/>
           </a:xfrm>
           <a:prstGeom prst="ellipse">
@@ -6543,13 +6493,13 @@
       </p:sp>
       <p:sp>
         <p:nvSpPr>
-          <p:cNvPr id="622" name="Ellipse 621"/>
+          <p:cNvPr id="302" name="Ellipse 301"/>
           <p:cNvSpPr/>
           <p:nvPr/>
         </p:nvSpPr>
         <p:spPr>
           <a:xfrm>
-            <a:off x="3132410" y="4460527"/>
+            <a:off x="3665209" y="4460527"/>
             <a:ext cx="432048" cy="492422"/>
           </a:xfrm>
           <a:prstGeom prst="ellipse">
@@ -6594,13 +6544,13 @@
       </p:sp>
       <p:sp>
         <p:nvSpPr>
-          <p:cNvPr id="623" name="ZoneTexte 622"/>
+          <p:cNvPr id="303" name="ZoneTexte 302"/>
           <p:cNvSpPr txBox="1"/>
           <p:nvPr/>
         </p:nvSpPr>
         <p:spPr>
           <a:xfrm>
-            <a:off x="3208048" y="7173700"/>
+            <a:off x="3740847" y="7173700"/>
             <a:ext cx="644442" cy="369331"/>
           </a:xfrm>
           <a:prstGeom prst="rect">
@@ -6636,13 +6586,13 @@
       </p:sp>
       <p:sp>
         <p:nvSpPr>
-          <p:cNvPr id="624" name="ZoneTexte 623"/>
+          <p:cNvPr id="304" name="ZoneTexte 303"/>
           <p:cNvSpPr txBox="1"/>
           <p:nvPr/>
         </p:nvSpPr>
         <p:spPr>
           <a:xfrm>
-            <a:off x="2703992" y="4518695"/>
+            <a:off x="3236791" y="4518695"/>
             <a:ext cx="644442" cy="369331"/>
           </a:xfrm>
           <a:prstGeom prst="rect">
@@ -6678,13 +6628,13 @@
       </p:sp>
       <p:sp>
         <p:nvSpPr>
-          <p:cNvPr id="625" name="ZoneTexte 624"/>
+          <p:cNvPr id="305" name="ZoneTexte 304"/>
           <p:cNvSpPr txBox="1"/>
           <p:nvPr/>
         </p:nvSpPr>
         <p:spPr>
           <a:xfrm>
-            <a:off x="4428554" y="6741652"/>
+            <a:off x="4964983" y="6741652"/>
             <a:ext cx="644442" cy="369331"/>
           </a:xfrm>
           <a:prstGeom prst="rect">
@@ -6720,14 +6670,14 @@
       </p:sp>
       <p:sp>
         <p:nvSpPr>
-          <p:cNvPr id="626" name="ZoneTexte 625"/>
+          <p:cNvPr id="306" name="ZoneTexte 305"/>
           <p:cNvSpPr txBox="1"/>
           <p:nvPr/>
         </p:nvSpPr>
         <p:spPr>
           <a:xfrm>
-            <a:off x="1764258" y="-89817"/>
-            <a:ext cx="423514" cy="461665"/>
+            <a:off x="2206941" y="-89817"/>
+            <a:ext cx="526106" cy="461665"/>
           </a:xfrm>
           <a:prstGeom prst="rect">
             <a:avLst/>
@@ -6745,43 +6695,7 @@
                 <a:latin typeface="Times New Roman" panose="02020603050405020304" pitchFamily="18" charset="0"/>
                 <a:cs typeface="Times New Roman" panose="02020603050405020304" pitchFamily="18" charset="0"/>
               </a:rPr>
-              <a:t>a)</a:t>
-            </a:r>
-            <a:endParaRPr lang="fr-FR" sz="2400" dirty="0">
-              <a:latin typeface="Times New Roman" panose="02020603050405020304" pitchFamily="18" charset="0"/>
-              <a:cs typeface="Times New Roman" panose="02020603050405020304" pitchFamily="18" charset="0"/>
-            </a:endParaRPr>
-          </a:p>
-        </p:txBody>
-      </p:sp>
-      <p:sp>
-        <p:nvSpPr>
-          <p:cNvPr id="627" name="ZoneTexte 626"/>
-          <p:cNvSpPr txBox="1"/>
-          <p:nvPr/>
-        </p:nvSpPr>
-        <p:spPr>
-          <a:xfrm>
-            <a:off x="6222646" y="-89817"/>
-            <a:ext cx="441146" cy="461665"/>
-          </a:xfrm>
-          <a:prstGeom prst="rect">
-            <a:avLst/>
-          </a:prstGeom>
-          <a:noFill/>
-        </p:spPr>
-        <p:txBody>
-          <a:bodyPr wrap="none" rtlCol="0">
-            <a:spAutoFit/>
-          </a:bodyPr>
-          <a:lstStyle/>
-          <a:p>
-            <a:r>
-              <a:rPr lang="fr-FR" sz="2400" dirty="0">
-                <a:latin typeface="Times New Roman" panose="02020603050405020304" pitchFamily="18" charset="0"/>
-                <a:cs typeface="Times New Roman" panose="02020603050405020304" pitchFamily="18" charset="0"/>
-              </a:rPr>
-              <a:t>b</a:t>
+              <a:t>(a</a:t>
             </a:r>
             <a:r>
               <a:rPr lang="fr-FR" sz="2400" dirty="0" smtClean="0">
@@ -6799,13 +6713,56 @@
       </p:sp>
       <p:sp>
         <p:nvSpPr>
-          <p:cNvPr id="628" name="ZoneTexte 627"/>
+          <p:cNvPr id="307" name="ZoneTexte 306"/>
           <p:cNvSpPr txBox="1"/>
           <p:nvPr/>
         </p:nvSpPr>
         <p:spPr>
           <a:xfrm>
-            <a:off x="2397515" y="8257024"/>
+            <a:off x="6305289" y="-89817"/>
+            <a:ext cx="543739" cy="461665"/>
+          </a:xfrm>
+          <a:prstGeom prst="rect">
+            <a:avLst/>
+          </a:prstGeom>
+          <a:noFill/>
+        </p:spPr>
+        <p:txBody>
+          <a:bodyPr wrap="none" rtlCol="0">
+            <a:spAutoFit/>
+          </a:bodyPr>
+          <a:lstStyle/>
+          <a:p>
+            <a:r>
+              <a:rPr lang="fr-FR" sz="2400" dirty="0" smtClean="0">
+                <a:latin typeface="Times New Roman" panose="02020603050405020304" pitchFamily="18" charset="0"/>
+                <a:cs typeface="Times New Roman" panose="02020603050405020304" pitchFamily="18" charset="0"/>
+              </a:rPr>
+              <a:t>(b</a:t>
+            </a:r>
+            <a:r>
+              <a:rPr lang="fr-FR" sz="2400" dirty="0" smtClean="0">
+                <a:latin typeface="Times New Roman" panose="02020603050405020304" pitchFamily="18" charset="0"/>
+                <a:cs typeface="Times New Roman" panose="02020603050405020304" pitchFamily="18" charset="0"/>
+              </a:rPr>
+              <a:t>)</a:t>
+            </a:r>
+            <a:endParaRPr lang="fr-FR" sz="2400" dirty="0">
+              <a:latin typeface="Times New Roman" panose="02020603050405020304" pitchFamily="18" charset="0"/>
+              <a:cs typeface="Times New Roman" panose="02020603050405020304" pitchFamily="18" charset="0"/>
+            </a:endParaRPr>
+          </a:p>
+        </p:txBody>
+      </p:sp>
+      <p:sp>
+        <p:nvSpPr>
+          <p:cNvPr id="308" name="ZoneTexte 307"/>
+          <p:cNvSpPr txBox="1"/>
+          <p:nvPr/>
+        </p:nvSpPr>
+        <p:spPr>
+          <a:xfrm>
+            <a:off x="2840198" y="8257024"/>
             <a:ext cx="628698" cy="553998"/>
           </a:xfrm>
           <a:prstGeom prst="rect">
@@ -6839,13 +6796,13 @@
       </p:sp>
       <p:sp>
         <p:nvSpPr>
-          <p:cNvPr id="629" name="ZoneTexte 628"/>
+          <p:cNvPr id="309" name="ZoneTexte 308"/>
           <p:cNvSpPr txBox="1"/>
           <p:nvPr/>
         </p:nvSpPr>
         <p:spPr>
           <a:xfrm>
-            <a:off x="4951984" y="2214439"/>
+            <a:off x="5394667" y="2214439"/>
             <a:ext cx="628698" cy="553998"/>
           </a:xfrm>
           <a:prstGeom prst="rect">
@@ -6877,130 +6834,183 @@
           </a:p>
         </p:txBody>
       </p:sp>
-      <p:pic>
-        <p:nvPicPr>
-          <p:cNvPr id="630" name="Picture 3"/>
-          <p:cNvPicPr>
-            <a:picLocks noChangeAspect="1" noChangeArrowheads="1"/>
-          </p:cNvPicPr>
-          <p:nvPr/>
-        </p:nvPicPr>
-        <p:blipFill rotWithShape="1">
-          <a:blip r:embed="rId5">
-            <a:extLst>
-              <a:ext uri="{28A0092B-C50C-407E-A947-70E740481C1C}">
-                <a14:useLocalDpi xmlns:a14="http://schemas.microsoft.com/office/drawing/2010/main" val="0"/>
-              </a:ext>
-            </a:extLst>
-          </a:blip>
-          <a:srcRect r="12930"/>
-          <a:stretch/>
-        </p:blipFill>
-        <p:spPr bwMode="auto">
-          <a:xfrm>
-            <a:off x="-684014" y="6678935"/>
-            <a:ext cx="2304000" cy="2827056"/>
+      <p:grpSp>
+        <p:nvGrpSpPr>
+          <p:cNvPr id="310" name="Groupe 309"/>
+          <p:cNvGrpSpPr/>
+          <p:nvPr/>
+        </p:nvGrpSpPr>
+        <p:grpSpPr>
+          <a:xfrm>
+            <a:off x="3521193" y="2052000"/>
+            <a:ext cx="610253" cy="414000"/>
+            <a:chOff x="3026213" y="2052000"/>
+            <a:chExt cx="610253" cy="414000"/>
+          </a:xfrm>
+        </p:grpSpPr>
+        <p:sp>
+          <p:nvSpPr>
+            <p:cNvPr id="311" name="Ellipse 310"/>
+            <p:cNvSpPr/>
+            <p:nvPr/>
+          </p:nvSpPr>
+          <p:spPr>
+            <a:xfrm>
+              <a:off x="3132410" y="2070000"/>
+              <a:ext cx="432048" cy="396000"/>
+            </a:xfrm>
+            <a:prstGeom prst="ellipse">
+              <a:avLst/>
+            </a:prstGeom>
+            <a:noFill/>
+            <a:ln w="19050">
+              <a:solidFill>
+                <a:srgbClr val="FF0000"/>
+              </a:solidFill>
+              <a:prstDash val="sysDash"/>
+            </a:ln>
+          </p:spPr>
+          <p:style>
+            <a:lnRef idx="2">
+              <a:schemeClr val="accent1">
+                <a:shade val="50000"/>
+              </a:schemeClr>
+            </a:lnRef>
+            <a:fillRef idx="1">
+              <a:schemeClr val="accent1"/>
+            </a:fillRef>
+            <a:effectRef idx="0">
+              <a:schemeClr val="accent1"/>
+            </a:effectRef>
+            <a:fontRef idx="minor">
+              <a:schemeClr val="lt1"/>
+            </a:fontRef>
+          </p:style>
+          <p:txBody>
+            <a:bodyPr rtlCol="0" anchor="ctr"/>
+            <a:lstStyle/>
+            <a:p>
+              <a:pPr algn="ctr"/>
+              <a:endParaRPr lang="en-US">
+                <a:solidFill>
+                  <a:srgbClr val="FF0000"/>
+                </a:solidFill>
+              </a:endParaRPr>
+            </a:p>
+          </p:txBody>
+        </p:sp>
+        <p:sp>
+          <p:nvSpPr>
+            <p:cNvPr id="312" name="Rectangle 311"/>
+            <p:cNvSpPr/>
+            <p:nvPr/>
+          </p:nvSpPr>
+          <p:spPr>
+            <a:xfrm>
+              <a:off x="3026213" y="2052000"/>
+              <a:ext cx="610253" cy="201600"/>
+            </a:xfrm>
+            <a:prstGeom prst="rect">
+              <a:avLst/>
+            </a:prstGeom>
+            <a:solidFill>
+              <a:schemeClr val="bg1"/>
+            </a:solidFill>
+            <a:ln>
+              <a:solidFill>
+                <a:schemeClr val="bg1"/>
+              </a:solidFill>
+            </a:ln>
+          </p:spPr>
+          <p:style>
+            <a:lnRef idx="2">
+              <a:schemeClr val="accent1">
+                <a:shade val="50000"/>
+              </a:schemeClr>
+            </a:lnRef>
+            <a:fillRef idx="1">
+              <a:schemeClr val="accent1"/>
+            </a:fillRef>
+            <a:effectRef idx="0">
+              <a:schemeClr val="accent1"/>
+            </a:effectRef>
+            <a:fontRef idx="minor">
+              <a:schemeClr val="lt1"/>
+            </a:fontRef>
+          </p:style>
+          <p:txBody>
+            <a:bodyPr rtlCol="0" anchor="ctr"/>
+            <a:lstStyle/>
+            <a:p>
+              <a:pPr algn="ctr"/>
+              <a:endParaRPr lang="fr-FR"/>
+            </a:p>
+          </p:txBody>
+        </p:sp>
+      </p:grpSp>
+      <p:sp>
+        <p:nvSpPr>
+          <p:cNvPr id="313" name="ZoneTexte 312"/>
+          <p:cNvSpPr txBox="1"/>
+          <p:nvPr/>
+        </p:nvSpPr>
+        <p:spPr>
+          <a:xfrm>
+            <a:off x="3092775" y="2254949"/>
+            <a:ext cx="644442" cy="369331"/>
           </a:xfrm>
           <a:prstGeom prst="rect">
             <a:avLst/>
           </a:prstGeom>
           <a:noFill/>
+        </p:spPr>
+        <p:txBody>
+          <a:bodyPr wrap="square" rtlCol="0">
+            <a:spAutoFit/>
+          </a:bodyPr>
+          <a:lstStyle/>
+          <a:p>
+            <a:r>
+              <a:rPr lang="fr-FR" dirty="0" smtClean="0">
+                <a:solidFill>
+                  <a:srgbClr val="FF0000"/>
+                </a:solidFill>
+                <a:latin typeface="Times New Roman" panose="02020603050405020304" pitchFamily="18" charset="0"/>
+                <a:cs typeface="Times New Roman" panose="02020603050405020304" pitchFamily="18" charset="0"/>
+              </a:rPr>
+              <a:t>(6)</a:t>
+            </a:r>
+            <a:endParaRPr lang="en-US" dirty="0">
+              <a:solidFill>
+                <a:srgbClr val="FF0000"/>
+              </a:solidFill>
+              <a:latin typeface="Times New Roman" panose="02020603050405020304" pitchFamily="18" charset="0"/>
+              <a:cs typeface="Times New Roman" panose="02020603050405020304" pitchFamily="18" charset="0"/>
+            </a:endParaRPr>
+          </a:p>
+        </p:txBody>
+      </p:sp>
+      <p:sp>
+        <p:nvSpPr>
+          <p:cNvPr id="314" name="Rectangle 313"/>
+          <p:cNvSpPr/>
+          <p:nvPr/>
+        </p:nvSpPr>
+        <p:spPr>
+          <a:xfrm>
+            <a:off x="2405081" y="8439534"/>
+            <a:ext cx="108000" cy="144016"/>
+          </a:xfrm>
+          <a:prstGeom prst="rect">
+            <a:avLst/>
+          </a:prstGeom>
+          <a:solidFill>
+            <a:schemeClr val="bg1"/>
+          </a:solidFill>
           <a:ln>
-            <a:noFill/>
-          </a:ln>
-          <a:extLst>
-            <a:ext uri="{909E8E84-426E-40DD-AFC4-6F175D3DCCD1}">
-              <a14:hiddenFill xmlns:a14="http://schemas.microsoft.com/office/drawing/2010/main">
-                <a:solidFill>
-                  <a:schemeClr val="accent1"/>
-                </a:solidFill>
-              </a14:hiddenFill>
-            </a:ext>
-            <a:ext uri="{91240B29-F687-4F45-9708-019B960494DF}">
-              <a14:hiddenLine xmlns:a14="http://schemas.microsoft.com/office/drawing/2010/main" w="9525">
-                <a:solidFill>
-                  <a:schemeClr val="tx1"/>
-                </a:solidFill>
-                <a:miter lim="800000"/>
-                <a:headEnd/>
-                <a:tailEnd/>
-              </a14:hiddenLine>
-            </a:ext>
-          </a:extLst>
-        </p:spPr>
-      </p:pic>
-      <p:pic>
-        <p:nvPicPr>
-          <p:cNvPr id="631" name="Picture 5"/>
-          <p:cNvPicPr>
-            <a:picLocks noChangeAspect="1" noChangeArrowheads="1"/>
-          </p:cNvPicPr>
-          <p:nvPr/>
-        </p:nvPicPr>
-        <p:blipFill rotWithShape="1">
-          <a:blip r:embed="rId6">
-            <a:extLst>
-              <a:ext uri="{28A0092B-C50C-407E-A947-70E740481C1C}">
-                <a14:useLocalDpi xmlns:a14="http://schemas.microsoft.com/office/drawing/2010/main" val="0"/>
-              </a:ext>
-            </a:extLst>
-          </a:blip>
-          <a:srcRect b="20602"/>
-          <a:stretch/>
-        </p:blipFill>
-        <p:spPr bwMode="auto">
-          <a:xfrm>
-            <a:off x="-651958" y="2070001"/>
-            <a:ext cx="2600325" cy="2205786"/>
-          </a:xfrm>
-          <a:prstGeom prst="rect">
-            <a:avLst/>
-          </a:prstGeom>
-          <a:noFill/>
-          <a:ln>
-            <a:noFill/>
-          </a:ln>
-          <a:extLst>
-            <a:ext uri="{909E8E84-426E-40DD-AFC4-6F175D3DCCD1}">
-              <a14:hiddenFill xmlns:a14="http://schemas.microsoft.com/office/drawing/2010/main">
-                <a:solidFill>
-                  <a:schemeClr val="accent1"/>
-                </a:solidFill>
-              </a14:hiddenFill>
-            </a:ext>
-            <a:ext uri="{91240B29-F687-4F45-9708-019B960494DF}">
-              <a14:hiddenLine xmlns:a14="http://schemas.microsoft.com/office/drawing/2010/main" w="9525">
-                <a:solidFill>
-                  <a:schemeClr val="tx1"/>
-                </a:solidFill>
-                <a:miter lim="800000"/>
-                <a:headEnd/>
-                <a:tailEnd/>
-              </a14:hiddenLine>
-            </a:ext>
-          </a:extLst>
-        </p:spPr>
-      </p:pic>
-      <p:sp>
-        <p:nvSpPr>
-          <p:cNvPr id="91" name="Ellipse 90"/>
-          <p:cNvSpPr/>
-          <p:nvPr/>
-        </p:nvSpPr>
-        <p:spPr>
-          <a:xfrm>
-            <a:off x="3132410" y="2070000"/>
-            <a:ext cx="432048" cy="396000"/>
-          </a:xfrm>
-          <a:prstGeom prst="ellipse">
-            <a:avLst/>
-          </a:prstGeom>
-          <a:noFill/>
-          <a:ln w="19050">
             <a:solidFill>
-              <a:srgbClr val="FF0000"/>
+              <a:schemeClr val="bg1"/>
             </a:solidFill>
-            <a:prstDash val="sysDash"/>
           </a:ln>
         </p:spPr>
         <p:style>
@@ -7024,72 +7034,210 @@
           <a:lstStyle/>
           <a:p>
             <a:pPr algn="ctr"/>
-            <a:endParaRPr lang="en-US">
-              <a:solidFill>
-                <a:srgbClr val="FF0000"/>
-              </a:solidFill>
-            </a:endParaRPr>
-          </a:p>
-        </p:txBody>
-      </p:sp>
-      <p:sp>
-        <p:nvSpPr>
-          <p:cNvPr id="2" name="Rectangle 1"/>
-          <p:cNvSpPr/>
-          <p:nvPr/>
-        </p:nvSpPr>
-        <p:spPr>
-          <a:xfrm>
-            <a:off x="3026213" y="2052000"/>
-            <a:ext cx="610253" cy="201600"/>
+            <a:endParaRPr lang="fr-FR"/>
+          </a:p>
+        </p:txBody>
+      </p:sp>
+      <p:pic>
+        <p:nvPicPr>
+          <p:cNvPr id="315" name="Picture 11"/>
+          <p:cNvPicPr>
+            <a:picLocks noChangeAspect="1" noChangeArrowheads="1"/>
+          </p:cNvPicPr>
+          <p:nvPr/>
+        </p:nvPicPr>
+        <p:blipFill rotWithShape="1">
+          <a:blip r:embed="rId5">
+            <a:extLst>
+              <a:ext uri="{28A0092B-C50C-407E-A947-70E740481C1C}">
+                <a14:useLocalDpi xmlns:a14="http://schemas.microsoft.com/office/drawing/2010/main" val="0"/>
+              </a:ext>
+            </a:extLst>
+          </a:blip>
+          <a:srcRect t="4943" r="10990" b="20672"/>
+          <a:stretch/>
+        </p:blipFill>
+        <p:spPr bwMode="auto">
+          <a:xfrm>
+            <a:off x="-633717" y="2214439"/>
+            <a:ext cx="2944764" cy="2173982"/>
           </a:xfrm>
           <a:prstGeom prst="rect">
             <a:avLst/>
           </a:prstGeom>
-          <a:solidFill>
-            <a:schemeClr val="bg1"/>
-          </a:solidFill>
+          <a:noFill/>
           <a:ln>
-            <a:solidFill>
-              <a:schemeClr val="bg1"/>
-            </a:solidFill>
+            <a:noFill/>
           </a:ln>
+          <a:extLst>
+            <a:ext uri="{909E8E84-426E-40DD-AFC4-6F175D3DCCD1}">
+              <a14:hiddenFill xmlns:a14="http://schemas.microsoft.com/office/drawing/2010/main">
+                <a:solidFill>
+                  <a:schemeClr val="accent1"/>
+                </a:solidFill>
+              </a14:hiddenFill>
+            </a:ext>
+            <a:ext uri="{91240B29-F687-4F45-9708-019B960494DF}">
+              <a14:hiddenLine xmlns:a14="http://schemas.microsoft.com/office/drawing/2010/main" w="9525">
+                <a:solidFill>
+                  <a:schemeClr val="tx1"/>
+                </a:solidFill>
+                <a:miter lim="800000"/>
+                <a:headEnd/>
+                <a:tailEnd/>
+              </a14:hiddenLine>
+            </a:ext>
+          </a:extLst>
+        </p:spPr>
+      </p:pic>
+      <p:pic>
+        <p:nvPicPr>
+          <p:cNvPr id="316" name="Picture 10"/>
+          <p:cNvPicPr>
+            <a:picLocks noChangeAspect="1" noChangeArrowheads="1"/>
+          </p:cNvPicPr>
+          <p:nvPr/>
+        </p:nvPicPr>
+        <p:blipFill rotWithShape="1">
+          <a:blip r:embed="rId6">
+            <a:extLst>
+              <a:ext uri="{28A0092B-C50C-407E-A947-70E740481C1C}">
+                <a14:useLocalDpi xmlns:a14="http://schemas.microsoft.com/office/drawing/2010/main" val="0"/>
+              </a:ext>
+            </a:extLst>
+          </a:blip>
+          <a:srcRect t="6135" r="11677"/>
+          <a:stretch/>
+        </p:blipFill>
+        <p:spPr bwMode="auto">
+          <a:xfrm>
+            <a:off x="-655317" y="6741651"/>
+            <a:ext cx="2922038" cy="2752221"/>
+          </a:xfrm>
+          <a:prstGeom prst="rect">
+            <a:avLst/>
+          </a:prstGeom>
+          <a:noFill/>
+          <a:ln>
+            <a:noFill/>
+          </a:ln>
+          <a:extLst>
+            <a:ext uri="{909E8E84-426E-40DD-AFC4-6F175D3DCCD1}">
+              <a14:hiddenFill xmlns:a14="http://schemas.microsoft.com/office/drawing/2010/main">
+                <a:solidFill>
+                  <a:schemeClr val="accent1"/>
+                </a:solidFill>
+              </a14:hiddenFill>
+            </a:ext>
+            <a:ext uri="{91240B29-F687-4F45-9708-019B960494DF}">
+              <a14:hiddenLine xmlns:a14="http://schemas.microsoft.com/office/drawing/2010/main" w="9525">
+                <a:solidFill>
+                  <a:schemeClr val="tx1"/>
+                </a:solidFill>
+                <a:miter lim="800000"/>
+                <a:headEnd/>
+                <a:tailEnd/>
+              </a14:hiddenLine>
+            </a:ext>
+          </a:extLst>
+        </p:spPr>
+      </p:pic>
+      <p:pic>
+        <p:nvPicPr>
+          <p:cNvPr id="317" name="Picture 12"/>
+          <p:cNvPicPr>
+            <a:picLocks noChangeAspect="1" noChangeArrowheads="1"/>
+          </p:cNvPicPr>
+          <p:nvPr/>
+        </p:nvPicPr>
+        <p:blipFill rotWithShape="1">
+          <a:blip r:embed="rId7">
+            <a:extLst>
+              <a:ext uri="{28A0092B-C50C-407E-A947-70E740481C1C}">
+                <a14:useLocalDpi xmlns:a14="http://schemas.microsoft.com/office/drawing/2010/main" val="0"/>
+              </a:ext>
+            </a:extLst>
+          </a:blip>
+          <a:srcRect t="5414" r="10337" b="19642"/>
+          <a:stretch/>
+        </p:blipFill>
+        <p:spPr bwMode="auto">
+          <a:xfrm>
+            <a:off x="-655317" y="4481482"/>
+            <a:ext cx="2966364" cy="2197453"/>
+          </a:xfrm>
+          <a:prstGeom prst="rect">
+            <a:avLst/>
+          </a:prstGeom>
+          <a:noFill/>
+          <a:ln>
+            <a:noFill/>
+          </a:ln>
+          <a:extLst>
+            <a:ext uri="{909E8E84-426E-40DD-AFC4-6F175D3DCCD1}">
+              <a14:hiddenFill xmlns:a14="http://schemas.microsoft.com/office/drawing/2010/main">
+                <a:solidFill>
+                  <a:schemeClr val="accent1"/>
+                </a:solidFill>
+              </a14:hiddenFill>
+            </a:ext>
+            <a:ext uri="{91240B29-F687-4F45-9708-019B960494DF}">
+              <a14:hiddenLine xmlns:a14="http://schemas.microsoft.com/office/drawing/2010/main" w="9525">
+                <a:solidFill>
+                  <a:schemeClr val="tx1"/>
+                </a:solidFill>
+                <a:miter lim="800000"/>
+                <a:headEnd/>
+                <a:tailEnd/>
+              </a14:hiddenLine>
+            </a:ext>
+          </a:extLst>
+        </p:spPr>
+      </p:pic>
+      <p:cxnSp>
+        <p:nvCxnSpPr>
+          <p:cNvPr id="318" name="Connecteur droit avec flèche 317"/>
+          <p:cNvCxnSpPr/>
+          <p:nvPr/>
+        </p:nvCxnSpPr>
+        <p:spPr>
+          <a:xfrm flipH="1">
+            <a:off x="7043469" y="2341261"/>
+            <a:ext cx="29159" cy="1906104"/>
+          </a:xfrm>
+          <a:prstGeom prst="straightConnector1">
+            <a:avLst/>
+          </a:prstGeom>
+          <a:ln w="19050">
+            <a:headEnd type="arrow" w="med" len="med"/>
+            <a:tailEnd type="arrow" w="med" len="med"/>
+          </a:ln>
         </p:spPr>
         <p:style>
-          <a:lnRef idx="2">
-            <a:schemeClr val="accent1">
-              <a:shade val="50000"/>
-            </a:schemeClr>
+          <a:lnRef idx="1">
+            <a:schemeClr val="dk1"/>
           </a:lnRef>
-          <a:fillRef idx="1">
-            <a:schemeClr val="accent1"/>
+          <a:fillRef idx="0">
+            <a:schemeClr val="dk1"/>
           </a:fillRef>
           <a:effectRef idx="0">
-            <a:schemeClr val="accent1"/>
+            <a:schemeClr val="dk1"/>
           </a:effectRef>
           <a:fontRef idx="minor">
-            <a:schemeClr val="lt1"/>
+            <a:schemeClr val="tx1"/>
           </a:fontRef>
         </p:style>
-        <p:txBody>
-          <a:bodyPr rtlCol="0" anchor="ctr"/>
-          <a:lstStyle/>
-          <a:p>
-            <a:pPr algn="ctr"/>
-            <a:endParaRPr lang="fr-FR"/>
-          </a:p>
-        </p:txBody>
-      </p:sp>
-      <p:sp>
-        <p:nvSpPr>
-          <p:cNvPr id="93" name="ZoneTexte 92"/>
-          <p:cNvSpPr txBox="1"/>
-          <p:nvPr/>
-        </p:nvSpPr>
-        <p:spPr>
-          <a:xfrm>
-            <a:off x="2650092" y="2254949"/>
-            <a:ext cx="644442" cy="369331"/>
+      </p:cxnSp>
+      <p:sp>
+        <p:nvSpPr>
+          <p:cNvPr id="319" name="Rectangle 318"/>
+          <p:cNvSpPr/>
+          <p:nvPr/>
+        </p:nvSpPr>
+        <p:spPr>
+          <a:xfrm>
+            <a:off x="6617537" y="2966457"/>
+            <a:ext cx="455574" cy="400110"/>
           </a:xfrm>
           <a:prstGeom prst="rect">
             <a:avLst/>
@@ -7097,25 +7245,26 @@
           <a:noFill/>
         </p:spPr>
         <p:txBody>
-          <a:bodyPr wrap="square" rtlCol="0">
+          <a:bodyPr wrap="none">
             <a:spAutoFit/>
           </a:bodyPr>
           <a:lstStyle/>
           <a:p>
             <a:r>
-              <a:rPr lang="fr-FR" dirty="0" smtClean="0">
-                <a:solidFill>
-                  <a:srgbClr val="FF0000"/>
-                </a:solidFill>
+              <a:rPr lang="fr-FR" sz="2000" dirty="0" smtClean="0">
                 <a:latin typeface="Times New Roman" panose="02020603050405020304" pitchFamily="18" charset="0"/>
                 <a:cs typeface="Times New Roman" panose="02020603050405020304" pitchFamily="18" charset="0"/>
               </a:rPr>
-              <a:t>(6)</a:t>
-            </a:r>
-            <a:endParaRPr lang="en-US" dirty="0">
-              <a:solidFill>
-                <a:srgbClr val="FF0000"/>
-              </a:solidFill>
+              <a:t>D</a:t>
+            </a:r>
+            <a:r>
+              <a:rPr lang="fr-FR" sz="2000" baseline="-25000" dirty="0">
+                <a:latin typeface="Times New Roman" panose="02020603050405020304" pitchFamily="18" charset="0"/>
+                <a:cs typeface="Times New Roman" panose="02020603050405020304" pitchFamily="18" charset="0"/>
+              </a:rPr>
+              <a:t>0</a:t>
+            </a:r>
+            <a:endParaRPr lang="en-US" sz="2000" dirty="0">
               <a:latin typeface="Times New Roman" panose="02020603050405020304" pitchFamily="18" charset="0"/>
               <a:cs typeface="Times New Roman" panose="02020603050405020304" pitchFamily="18" charset="0"/>
             </a:endParaRPr>

--- a/04-CrMagOpt/Pictures/SimuAntiferro.pptx
+++ b/04-CrMagOpt/Pictures/SimuAntiferro.pptx
@@ -288,7 +288,7 @@
           <a:p>
             <a:fld id="{55E2B1C3-85C9-4F15-B2B7-DF895873764E}" type="datetimeFigureOut">
               <a:rPr lang="fr-FR" smtClean="0"/>
-              <a:t>29/06/2017</a:t>
+              <a:t>30/10/2017</a:t>
             </a:fld>
             <a:endParaRPr lang="fr-FR"/>
           </a:p>
@@ -458,7 +458,7 @@
           <a:p>
             <a:fld id="{55E2B1C3-85C9-4F15-B2B7-DF895873764E}" type="datetimeFigureOut">
               <a:rPr lang="fr-FR" smtClean="0"/>
-              <a:t>29/06/2017</a:t>
+              <a:t>30/10/2017</a:t>
             </a:fld>
             <a:endParaRPr lang="fr-FR"/>
           </a:p>
@@ -638,7 +638,7 @@
           <a:p>
             <a:fld id="{55E2B1C3-85C9-4F15-B2B7-DF895873764E}" type="datetimeFigureOut">
               <a:rPr lang="fr-FR" smtClean="0"/>
-              <a:t>29/06/2017</a:t>
+              <a:t>30/10/2017</a:t>
             </a:fld>
             <a:endParaRPr lang="fr-FR"/>
           </a:p>
@@ -808,7 +808,7 @@
           <a:p>
             <a:fld id="{55E2B1C3-85C9-4F15-B2B7-DF895873764E}" type="datetimeFigureOut">
               <a:rPr lang="fr-FR" smtClean="0"/>
-              <a:t>29/06/2017</a:t>
+              <a:t>30/10/2017</a:t>
             </a:fld>
             <a:endParaRPr lang="fr-FR"/>
           </a:p>
@@ -1054,7 +1054,7 @@
           <a:p>
             <a:fld id="{55E2B1C3-85C9-4F15-B2B7-DF895873764E}" type="datetimeFigureOut">
               <a:rPr lang="fr-FR" smtClean="0"/>
-              <a:t>29/06/2017</a:t>
+              <a:t>30/10/2017</a:t>
             </a:fld>
             <a:endParaRPr lang="fr-FR"/>
           </a:p>
@@ -1342,7 +1342,7 @@
           <a:p>
             <a:fld id="{55E2B1C3-85C9-4F15-B2B7-DF895873764E}" type="datetimeFigureOut">
               <a:rPr lang="fr-FR" smtClean="0"/>
-              <a:t>29/06/2017</a:t>
+              <a:t>30/10/2017</a:t>
             </a:fld>
             <a:endParaRPr lang="fr-FR"/>
           </a:p>
@@ -1764,7 +1764,7 @@
           <a:p>
             <a:fld id="{55E2B1C3-85C9-4F15-B2B7-DF895873764E}" type="datetimeFigureOut">
               <a:rPr lang="fr-FR" smtClean="0"/>
-              <a:t>29/06/2017</a:t>
+              <a:t>30/10/2017</a:t>
             </a:fld>
             <a:endParaRPr lang="fr-FR"/>
           </a:p>
@@ -1882,7 +1882,7 @@
           <a:p>
             <a:fld id="{55E2B1C3-85C9-4F15-B2B7-DF895873764E}" type="datetimeFigureOut">
               <a:rPr lang="fr-FR" smtClean="0"/>
-              <a:t>29/06/2017</a:t>
+              <a:t>30/10/2017</a:t>
             </a:fld>
             <a:endParaRPr lang="fr-FR"/>
           </a:p>
@@ -1977,7 +1977,7 @@
           <a:p>
             <a:fld id="{55E2B1C3-85C9-4F15-B2B7-DF895873764E}" type="datetimeFigureOut">
               <a:rPr lang="fr-FR" smtClean="0"/>
-              <a:t>29/06/2017</a:t>
+              <a:t>30/10/2017</a:t>
             </a:fld>
             <a:endParaRPr lang="fr-FR"/>
           </a:p>
@@ -2254,7 +2254,7 @@
           <a:p>
             <a:fld id="{55E2B1C3-85C9-4F15-B2B7-DF895873764E}" type="datetimeFigureOut">
               <a:rPr lang="fr-FR" smtClean="0"/>
-              <a:t>29/06/2017</a:t>
+              <a:t>30/10/2017</a:t>
             </a:fld>
             <a:endParaRPr lang="fr-FR"/>
           </a:p>
@@ -2507,7 +2507,7 @@
           <a:p>
             <a:fld id="{55E2B1C3-85C9-4F15-B2B7-DF895873764E}" type="datetimeFigureOut">
               <a:rPr lang="fr-FR" smtClean="0"/>
-              <a:t>29/06/2017</a:t>
+              <a:t>30/10/2017</a:t>
             </a:fld>
             <a:endParaRPr lang="fr-FR"/>
           </a:p>
@@ -2720,7 +2720,7 @@
           <a:p>
             <a:fld id="{55E2B1C3-85C9-4F15-B2B7-DF895873764E}" type="datetimeFigureOut">
               <a:rPr lang="fr-FR" smtClean="0"/>
-              <a:t>29/06/2017</a:t>
+              <a:t>30/10/2017</a:t>
             </a:fld>
             <a:endParaRPr lang="fr-FR"/>
           </a:p>
@@ -6695,57 +6695,43 @@
                 <a:latin typeface="Times New Roman" panose="02020603050405020304" pitchFamily="18" charset="0"/>
                 <a:cs typeface="Times New Roman" panose="02020603050405020304" pitchFamily="18" charset="0"/>
               </a:rPr>
-              <a:t>(a</a:t>
-            </a:r>
+              <a:t>(a)</a:t>
+            </a:r>
+            <a:endParaRPr lang="fr-FR" sz="2400" dirty="0">
+              <a:latin typeface="Times New Roman" panose="02020603050405020304" pitchFamily="18" charset="0"/>
+              <a:cs typeface="Times New Roman" panose="02020603050405020304" pitchFamily="18" charset="0"/>
+            </a:endParaRPr>
+          </a:p>
+        </p:txBody>
+      </p:sp>
+      <p:sp>
+        <p:nvSpPr>
+          <p:cNvPr id="307" name="ZoneTexte 306"/>
+          <p:cNvSpPr txBox="1"/>
+          <p:nvPr/>
+        </p:nvSpPr>
+        <p:spPr>
+          <a:xfrm>
+            <a:off x="6602938" y="-89817"/>
+            <a:ext cx="526106" cy="461665"/>
+          </a:xfrm>
+          <a:prstGeom prst="rect">
+            <a:avLst/>
+          </a:prstGeom>
+          <a:noFill/>
+        </p:spPr>
+        <p:txBody>
+          <a:bodyPr wrap="none" rtlCol="0">
+            <a:spAutoFit/>
+          </a:bodyPr>
+          <a:lstStyle/>
+          <a:p>
             <a:r>
               <a:rPr lang="fr-FR" sz="2400" dirty="0" smtClean="0">
                 <a:latin typeface="Times New Roman" panose="02020603050405020304" pitchFamily="18" charset="0"/>
                 <a:cs typeface="Times New Roman" panose="02020603050405020304" pitchFamily="18" charset="0"/>
               </a:rPr>
-              <a:t>)</a:t>
-            </a:r>
-            <a:endParaRPr lang="fr-FR" sz="2400" dirty="0">
-              <a:latin typeface="Times New Roman" panose="02020603050405020304" pitchFamily="18" charset="0"/>
-              <a:cs typeface="Times New Roman" panose="02020603050405020304" pitchFamily="18" charset="0"/>
-            </a:endParaRPr>
-          </a:p>
-        </p:txBody>
-      </p:sp>
-      <p:sp>
-        <p:nvSpPr>
-          <p:cNvPr id="307" name="ZoneTexte 306"/>
-          <p:cNvSpPr txBox="1"/>
-          <p:nvPr/>
-        </p:nvSpPr>
-        <p:spPr>
-          <a:xfrm>
-            <a:off x="6305289" y="-89817"/>
-            <a:ext cx="543739" cy="461665"/>
-          </a:xfrm>
-          <a:prstGeom prst="rect">
-            <a:avLst/>
-          </a:prstGeom>
-          <a:noFill/>
-        </p:spPr>
-        <p:txBody>
-          <a:bodyPr wrap="none" rtlCol="0">
-            <a:spAutoFit/>
-          </a:bodyPr>
-          <a:lstStyle/>
-          <a:p>
-            <a:r>
-              <a:rPr lang="fr-FR" sz="2400" dirty="0" smtClean="0">
-                <a:latin typeface="Times New Roman" panose="02020603050405020304" pitchFamily="18" charset="0"/>
-                <a:cs typeface="Times New Roman" panose="02020603050405020304" pitchFamily="18" charset="0"/>
-              </a:rPr>
-              <a:t>(b</a:t>
-            </a:r>
-            <a:r>
-              <a:rPr lang="fr-FR" sz="2400" dirty="0" smtClean="0">
-                <a:latin typeface="Times New Roman" panose="02020603050405020304" pitchFamily="18" charset="0"/>
-                <a:cs typeface="Times New Roman" panose="02020603050405020304" pitchFamily="18" charset="0"/>
-              </a:rPr>
-              <a:t>)</a:t>
+              <a:t>(c)</a:t>
             </a:r>
             <a:endParaRPr lang="fr-FR" sz="2400" dirty="0">
               <a:latin typeface="Times New Roman" panose="02020603050405020304" pitchFamily="18" charset="0"/>
@@ -7265,6 +7251,42 @@
               <a:t>0</a:t>
             </a:r>
             <a:endParaRPr lang="en-US" sz="2000" dirty="0">
+              <a:latin typeface="Times New Roman" panose="02020603050405020304" pitchFamily="18" charset="0"/>
+              <a:cs typeface="Times New Roman" panose="02020603050405020304" pitchFamily="18" charset="0"/>
+            </a:endParaRPr>
+          </a:p>
+        </p:txBody>
+      </p:sp>
+      <p:sp>
+        <p:nvSpPr>
+          <p:cNvPr id="98" name="ZoneTexte 97"/>
+          <p:cNvSpPr txBox="1"/>
+          <p:nvPr/>
+        </p:nvSpPr>
+        <p:spPr>
+          <a:xfrm>
+            <a:off x="2201330" y="1926407"/>
+            <a:ext cx="543739" cy="461665"/>
+          </a:xfrm>
+          <a:prstGeom prst="rect">
+            <a:avLst/>
+          </a:prstGeom>
+          <a:noFill/>
+        </p:spPr>
+        <p:txBody>
+          <a:bodyPr wrap="none" rtlCol="0">
+            <a:spAutoFit/>
+          </a:bodyPr>
+          <a:lstStyle/>
+          <a:p>
+            <a:r>
+              <a:rPr lang="fr-FR" sz="2400" dirty="0" smtClean="0">
+                <a:latin typeface="Times New Roman" panose="02020603050405020304" pitchFamily="18" charset="0"/>
+                <a:cs typeface="Times New Roman" panose="02020603050405020304" pitchFamily="18" charset="0"/>
+              </a:rPr>
+              <a:t>(b)</a:t>
+            </a:r>
+            <a:endParaRPr lang="fr-FR" sz="2400" dirty="0">
               <a:latin typeface="Times New Roman" panose="02020603050405020304" pitchFamily="18" charset="0"/>
               <a:cs typeface="Times New Roman" panose="02020603050405020304" pitchFamily="18" charset="0"/>
             </a:endParaRPr>
